--- a/PPT/Onion Architecture.pptx
+++ b/PPT/Onion Architecture.pptx
@@ -8,14 +8,16 @@
     <p:sldId id="256" r:id="rId2"/>
     <p:sldId id="281" r:id="rId3"/>
     <p:sldId id="268" r:id="rId4"/>
-    <p:sldId id="269" r:id="rId5"/>
-    <p:sldId id="271" r:id="rId6"/>
-    <p:sldId id="272" r:id="rId7"/>
-    <p:sldId id="283" r:id="rId8"/>
-    <p:sldId id="273" r:id="rId9"/>
-    <p:sldId id="274" r:id="rId10"/>
-    <p:sldId id="282" r:id="rId11"/>
-    <p:sldId id="278" r:id="rId12"/>
+    <p:sldId id="283" r:id="rId5"/>
+    <p:sldId id="285" r:id="rId6"/>
+    <p:sldId id="284" r:id="rId7"/>
+    <p:sldId id="269" r:id="rId8"/>
+    <p:sldId id="271" r:id="rId9"/>
+    <p:sldId id="272" r:id="rId10"/>
+    <p:sldId id="273" r:id="rId11"/>
+    <p:sldId id="274" r:id="rId12"/>
+    <p:sldId id="282" r:id="rId13"/>
+    <p:sldId id="278" r:id="rId14"/>
   </p:sldIdLst>
   <p:sldSz cx="12192000" cy="6858000"/>
   <p:notesSz cx="6858000" cy="9144000"/>
@@ -4072,11 +4074,7 @@
           <a:p>
             <a:r>
               <a:rPr lang="en-US" dirty="0" smtClean="0"/>
-              <a:t>Amit </a:t>
-            </a:r>
-            <a:r>
-              <a:rPr lang="en-US" dirty="0" err="1" smtClean="0"/>
-              <a:t>Naik</a:t>
+              <a:t>Amit Naik</a:t>
             </a:r>
             <a:endParaRPr lang="en-IN" dirty="0"/>
           </a:p>
@@ -4122,7 +4120,7 @@
         </p:blipFill>
         <p:spPr>
           <a:xfrm>
-            <a:off x="7859687" y="5228839"/>
+            <a:off x="7859687" y="5179958"/>
             <a:ext cx="3158833" cy="839066"/>
           </a:xfrm>
           <a:prstGeom prst="rect">
@@ -4212,6 +4210,159 @@
           <a:bodyPr/>
           <a:lstStyle/>
           <a:p>
+            <a:endParaRPr lang="en-IN" dirty="0"/>
+          </a:p>
+        </p:txBody>
+      </p:sp>
+      <p:pic>
+        <p:nvPicPr>
+          <p:cNvPr id="4" name="Content Placeholder 3"/>
+          <p:cNvPicPr>
+            <a:picLocks noGrp="1" noChangeAspect="1"/>
+          </p:cNvPicPr>
+          <p:nvPr>
+            <p:ph idx="1"/>
+          </p:nvPr>
+        </p:nvPicPr>
+        <p:blipFill>
+          <a:blip r:embed="rId2">
+            <a:extLst>
+              <a:ext uri="{28A0092B-C50C-407E-A947-70E740481C1C}">
+                <a14:useLocalDpi xmlns:a14="http://schemas.microsoft.com/office/drawing/2010/main" val="0"/>
+              </a:ext>
+            </a:extLst>
+          </a:blip>
+          <a:stretch>
+            <a:fillRect/>
+          </a:stretch>
+        </p:blipFill>
+        <p:spPr>
+          <a:xfrm>
+            <a:off x="4284616" y="1675964"/>
+            <a:ext cx="3229791" cy="4098474"/>
+          </a:xfrm>
+        </p:spPr>
+      </p:pic>
+    </p:spTree>
+    <p:extLst>
+      <p:ext uri="{BB962C8B-B14F-4D97-AF65-F5344CB8AC3E}">
+        <p14:creationId xmlns:p14="http://schemas.microsoft.com/office/powerpoint/2010/main" val="1811031861"/>
+      </p:ext>
+    </p:extLst>
+  </p:cSld>
+  <p:clrMapOvr>
+    <a:masterClrMapping/>
+  </p:clrMapOvr>
+</p:sld>
+</file>
+
+<file path=ppt/slides/slide11.xml><?xml version="1.0" encoding="utf-8"?>
+<p:sld xmlns:a="http://schemas.openxmlformats.org/drawingml/2006/main" xmlns:r="http://schemas.openxmlformats.org/officeDocument/2006/relationships" xmlns:p="http://schemas.openxmlformats.org/presentationml/2006/main">
+  <p:cSld>
+    <p:spTree>
+      <p:nvGrpSpPr>
+        <p:cNvPr id="1" name=""/>
+        <p:cNvGrpSpPr/>
+        <p:nvPr/>
+      </p:nvGrpSpPr>
+      <p:grpSpPr>
+        <a:xfrm>
+          <a:off x="0" y="0"/>
+          <a:ext cx="0" cy="0"/>
+          <a:chOff x="0" y="0"/>
+          <a:chExt cx="0" cy="0"/>
+        </a:xfrm>
+      </p:grpSpPr>
+      <p:sp>
+        <p:nvSpPr>
+          <p:cNvPr id="2" name="Title 1"/>
+          <p:cNvSpPr>
+            <a:spLocks noGrp="1"/>
+          </p:cNvSpPr>
+          <p:nvPr>
+            <p:ph type="title"/>
+          </p:nvPr>
+        </p:nvSpPr>
+        <p:spPr/>
+        <p:txBody>
+          <a:bodyPr/>
+          <a:lstStyle/>
+          <a:p>
+            <a:r>
+              <a:rPr lang="en-US" dirty="0" smtClean="0"/>
+              <a:t>Project demo</a:t>
+            </a:r>
+            <a:endParaRPr lang="en-IN" dirty="0"/>
+          </a:p>
+        </p:txBody>
+      </p:sp>
+      <p:sp>
+        <p:nvSpPr>
+          <p:cNvPr id="3" name="Content Placeholder 2"/>
+          <p:cNvSpPr>
+            <a:spLocks noGrp="1"/>
+          </p:cNvSpPr>
+          <p:nvPr>
+            <p:ph idx="1"/>
+          </p:nvPr>
+        </p:nvSpPr>
+        <p:spPr/>
+        <p:txBody>
+          <a:bodyPr/>
+          <a:lstStyle/>
+          <a:p>
+            <a:pPr marL="0" indent="0">
+              <a:buNone/>
+            </a:pPr>
+            <a:endParaRPr lang="en-IN" dirty="0"/>
+          </a:p>
+        </p:txBody>
+      </p:sp>
+    </p:spTree>
+    <p:extLst>
+      <p:ext uri="{BB962C8B-B14F-4D97-AF65-F5344CB8AC3E}">
+        <p14:creationId xmlns:p14="http://schemas.microsoft.com/office/powerpoint/2010/main" val="2392015522"/>
+      </p:ext>
+    </p:extLst>
+  </p:cSld>
+  <p:clrMapOvr>
+    <a:masterClrMapping/>
+  </p:clrMapOvr>
+</p:sld>
+</file>
+
+<file path=ppt/slides/slide12.xml><?xml version="1.0" encoding="utf-8"?>
+<p:sld xmlns:a="http://schemas.openxmlformats.org/drawingml/2006/main" xmlns:r="http://schemas.openxmlformats.org/officeDocument/2006/relationships" xmlns:p="http://schemas.openxmlformats.org/presentationml/2006/main">
+  <p:cSld>
+    <p:spTree>
+      <p:nvGrpSpPr>
+        <p:cNvPr id="1" name=""/>
+        <p:cNvGrpSpPr/>
+        <p:nvPr/>
+      </p:nvGrpSpPr>
+      <p:grpSpPr>
+        <a:xfrm>
+          <a:off x="0" y="0"/>
+          <a:ext cx="0" cy="0"/>
+          <a:chOff x="0" y="0"/>
+          <a:chExt cx="0" cy="0"/>
+        </a:xfrm>
+      </p:grpSpPr>
+      <p:sp>
+        <p:nvSpPr>
+          <p:cNvPr id="2" name="Title 1"/>
+          <p:cNvSpPr>
+            <a:spLocks noGrp="1"/>
+          </p:cNvSpPr>
+          <p:nvPr>
+            <p:ph type="title"/>
+          </p:nvPr>
+        </p:nvSpPr>
+        <p:spPr/>
+        <p:txBody>
+          <a:bodyPr/>
+          <a:lstStyle/>
+          <a:p>
             <a:r>
               <a:rPr lang="en-US" dirty="0" smtClean="0"/>
               <a:t>Thanks </a:t>
@@ -4300,7 +4451,7 @@
 </p:sld>
 </file>
 
-<file path=ppt/slides/slide11.xml><?xml version="1.0" encoding="utf-8"?>
+<file path=ppt/slides/slide13.xml><?xml version="1.0" encoding="utf-8"?>
 <p:sld xmlns:a="http://schemas.openxmlformats.org/drawingml/2006/main" xmlns:r="http://schemas.openxmlformats.org/officeDocument/2006/relationships" xmlns:p="http://schemas.openxmlformats.org/presentationml/2006/main">
   <p:cSld>
     <p:spTree>
@@ -4410,13 +4561,9 @@
             </a:r>
             <a:r>
               <a:rPr lang="en-GB" dirty="0" smtClean="0"/>
-              <a:t>architecture </a:t>
-            </a:r>
-            <a:r>
-              <a:rPr lang="en-GB" smtClean="0"/>
-              <a:t>with asp.net core</a:t>
-            </a:r>
-            <a:endParaRPr lang="en-IN"/>
+              <a:t>architecture with asp.net core</a:t>
+            </a:r>
+            <a:endParaRPr lang="en-IN" dirty="0"/>
           </a:p>
         </p:txBody>
       </p:sp>
@@ -4548,8 +4695,44 @@
           </a:p>
           <a:p>
             <a:r>
+              <a:rPr lang="en-US" dirty="0"/>
+              <a:t>DATABASE-CENTRIC VS.</a:t>
+            </a:r>
+            <a:br>
+              <a:rPr lang="en-US" dirty="0"/>
+            </a:br>
+            <a:r>
+              <a:rPr lang="en-US" dirty="0"/>
+              <a:t>Domain-centric </a:t>
+            </a:r>
+            <a:r>
+              <a:rPr lang="en-US" dirty="0" smtClean="0"/>
+              <a:t>architecture</a:t>
+            </a:r>
+          </a:p>
+          <a:p>
+            <a:r>
+              <a:rPr lang="en-GB" dirty="0"/>
+              <a:t>What is </a:t>
+            </a:r>
+            <a:r>
+              <a:rPr lang="en-GB"/>
+              <a:t>Onion </a:t>
+            </a:r>
+            <a:r>
+              <a:rPr lang="en-GB" smtClean="0"/>
+              <a:t>Architecture </a:t>
+            </a:r>
+            <a:endParaRPr lang="en-GB" dirty="0" smtClean="0"/>
+          </a:p>
+          <a:p>
+            <a:r>
               <a:rPr lang="en-GB" dirty="0" smtClean="0"/>
-              <a:t>IOC, DI</a:t>
+              <a:t>IOC</a:t>
+            </a:r>
+            <a:r>
+              <a:rPr lang="en-GB" dirty="0" smtClean="0"/>
+              <a:t>, DI</a:t>
             </a:r>
           </a:p>
           <a:p>
@@ -4561,13 +4744,11 @@
           <a:p>
             <a:r>
               <a:rPr lang="en-GB" dirty="0" smtClean="0"/>
-              <a:t>What is Onion Architecture</a:t>
-            </a:r>
-          </a:p>
-          <a:p>
+              <a:t>Simple </a:t>
+            </a:r>
             <a:r>
               <a:rPr lang="en-GB" dirty="0" smtClean="0"/>
-              <a:t>Simple Demo project for OA</a:t>
+              <a:t>Demo project for OA</a:t>
             </a:r>
           </a:p>
           <a:p>
@@ -4620,6 +4801,463 @@
 </file>
 
 <file path=ppt/slides/slide4.xml><?xml version="1.0" encoding="utf-8"?>
+<p:sld xmlns:a="http://schemas.openxmlformats.org/drawingml/2006/main" xmlns:r="http://schemas.openxmlformats.org/officeDocument/2006/relationships" xmlns:p="http://schemas.openxmlformats.org/presentationml/2006/main">
+  <p:cSld>
+    <p:spTree>
+      <p:nvGrpSpPr>
+        <p:cNvPr id="1" name=""/>
+        <p:cNvGrpSpPr/>
+        <p:nvPr/>
+      </p:nvGrpSpPr>
+      <p:grpSpPr>
+        <a:xfrm>
+          <a:off x="0" y="0"/>
+          <a:ext cx="0" cy="0"/>
+          <a:chOff x="0" y="0"/>
+          <a:chExt cx="0" cy="0"/>
+        </a:xfrm>
+      </p:grpSpPr>
+      <p:sp>
+        <p:nvSpPr>
+          <p:cNvPr id="2" name="Title 1"/>
+          <p:cNvSpPr>
+            <a:spLocks noGrp="1"/>
+          </p:cNvSpPr>
+          <p:nvPr>
+            <p:ph type="title"/>
+          </p:nvPr>
+        </p:nvSpPr>
+        <p:spPr>
+          <a:xfrm>
+            <a:off x="1069848" y="484632"/>
+            <a:ext cx="10058400" cy="2833334"/>
+          </a:xfrm>
+        </p:spPr>
+        <p:txBody>
+          <a:bodyPr>
+            <a:normAutofit fontScale="90000"/>
+          </a:bodyPr>
+          <a:lstStyle/>
+          <a:p>
+            <a:r>
+              <a:rPr lang="en-GB" dirty="0"/>
+              <a:t>Difference between </a:t>
+            </a:r>
+            <a:r>
+              <a:rPr lang="en-GB" dirty="0" smtClean="0"/>
+              <a:t>Design </a:t>
+            </a:r>
+            <a:r>
+              <a:rPr lang="en-GB" dirty="0"/>
+              <a:t>pattern, Architecture Pattern &amp; Architecture Style</a:t>
+            </a:r>
+            <a:br>
+              <a:rPr lang="en-GB" dirty="0"/>
+            </a:br>
+            <a:endParaRPr lang="en-IN" dirty="0"/>
+          </a:p>
+        </p:txBody>
+      </p:sp>
+      <p:graphicFrame>
+        <p:nvGraphicFramePr>
+          <p:cNvPr id="4" name="Content Placeholder 3"/>
+          <p:cNvGraphicFramePr>
+            <a:graphicFrameLocks noGrp="1"/>
+          </p:cNvGraphicFramePr>
+          <p:nvPr>
+            <p:ph idx="1"/>
+            <p:extLst>
+              <p:ext uri="{D42A27DB-BD31-4B8C-83A1-F6EECF244321}">
+                <p14:modId xmlns:p14="http://schemas.microsoft.com/office/powerpoint/2010/main" val="163668191"/>
+              </p:ext>
+            </p:extLst>
+          </p:nvPr>
+        </p:nvGraphicFramePr>
+        <p:xfrm>
+          <a:off x="1069973" y="3409950"/>
+          <a:ext cx="9510940" cy="1483360"/>
+        </p:xfrm>
+        <a:graphic>
+          <a:graphicData uri="http://schemas.openxmlformats.org/drawingml/2006/table">
+            <a:tbl>
+              <a:tblPr firstRow="1" bandRow="1">
+                <a:tableStyleId>{5C22544A-7EE6-4342-B048-85BDC9FD1C3A}</a:tableStyleId>
+              </a:tblPr>
+              <a:tblGrid>
+                <a:gridCol w="4755470">
+                  <a:extLst>
+                    <a:ext uri="{9D8B030D-6E8A-4147-A177-3AD203B41FA5}">
+                      <a16:colId xmlns:a16="http://schemas.microsoft.com/office/drawing/2014/main" val="3683941524"/>
+                    </a:ext>
+                  </a:extLst>
+                </a:gridCol>
+                <a:gridCol w="4755470">
+                  <a:extLst>
+                    <a:ext uri="{9D8B030D-6E8A-4147-A177-3AD203B41FA5}">
+                      <a16:colId xmlns:a16="http://schemas.microsoft.com/office/drawing/2014/main" val="2032355588"/>
+                    </a:ext>
+                  </a:extLst>
+                </a:gridCol>
+              </a:tblGrid>
+              <a:tr h="370840">
+                <a:tc>
+                  <a:txBody>
+                    <a:bodyPr/>
+                    <a:lstStyle/>
+                    <a:p>
+                      <a:endParaRPr lang="en-IN" dirty="0"/>
+                    </a:p>
+                  </a:txBody>
+                  <a:tcPr/>
+                </a:tc>
+                <a:tc>
+                  <a:txBody>
+                    <a:bodyPr/>
+                    <a:lstStyle/>
+                    <a:p>
+                      <a:endParaRPr lang="en-IN" dirty="0"/>
+                    </a:p>
+                  </a:txBody>
+                  <a:tcPr/>
+                </a:tc>
+                <a:extLst>
+                  <a:ext uri="{0D108BD9-81ED-4DB2-BD59-A6C34878D82A}">
+                    <a16:rowId xmlns:a16="http://schemas.microsoft.com/office/drawing/2014/main" val="1830496516"/>
+                  </a:ext>
+                </a:extLst>
+              </a:tr>
+              <a:tr h="370840">
+                <a:tc>
+                  <a:txBody>
+                    <a:bodyPr/>
+                    <a:lstStyle/>
+                    <a:p>
+                      <a:r>
+                        <a:rPr lang="en-US" dirty="0" smtClean="0"/>
+                        <a:t>Design pattern</a:t>
+                      </a:r>
+                      <a:endParaRPr lang="en-IN" dirty="0"/>
+                    </a:p>
+                  </a:txBody>
+                  <a:tcPr/>
+                </a:tc>
+                <a:tc>
+                  <a:txBody>
+                    <a:bodyPr/>
+                    <a:lstStyle/>
+                    <a:p>
+                      <a:r>
+                        <a:rPr lang="en-US" dirty="0" err="1" smtClean="0"/>
+                        <a:t>Facotry</a:t>
+                      </a:r>
+                      <a:r>
+                        <a:rPr lang="en-US" dirty="0" smtClean="0"/>
+                        <a:t>, Iterator,</a:t>
+                      </a:r>
+                      <a:r>
+                        <a:rPr lang="en-US" baseline="0" dirty="0" smtClean="0"/>
+                        <a:t> Singleton</a:t>
+                      </a:r>
+                      <a:endParaRPr lang="en-IN" dirty="0"/>
+                    </a:p>
+                  </a:txBody>
+                  <a:tcPr/>
+                </a:tc>
+                <a:extLst>
+                  <a:ext uri="{0D108BD9-81ED-4DB2-BD59-A6C34878D82A}">
+                    <a16:rowId xmlns:a16="http://schemas.microsoft.com/office/drawing/2014/main" val="3018954945"/>
+                  </a:ext>
+                </a:extLst>
+              </a:tr>
+              <a:tr h="370840">
+                <a:tc>
+                  <a:txBody>
+                    <a:bodyPr/>
+                    <a:lstStyle/>
+                    <a:p>
+                      <a:r>
+                        <a:rPr lang="en-US" dirty="0" smtClean="0"/>
+                        <a:t>Architecture pattern</a:t>
+                      </a:r>
+                      <a:endParaRPr lang="en-IN" dirty="0"/>
+                    </a:p>
+                  </a:txBody>
+                  <a:tcPr/>
+                </a:tc>
+                <a:tc>
+                  <a:txBody>
+                    <a:bodyPr/>
+                    <a:lstStyle/>
+                    <a:p>
+                      <a:r>
+                        <a:rPr lang="en-US" dirty="0" smtClean="0"/>
+                        <a:t>MVC, MVP,</a:t>
+                      </a:r>
+                      <a:r>
+                        <a:rPr lang="en-US" baseline="0" dirty="0" smtClean="0"/>
+                        <a:t> MVVM</a:t>
+                      </a:r>
+                      <a:endParaRPr lang="en-IN" dirty="0"/>
+                    </a:p>
+                  </a:txBody>
+                  <a:tcPr/>
+                </a:tc>
+                <a:extLst>
+                  <a:ext uri="{0D108BD9-81ED-4DB2-BD59-A6C34878D82A}">
+                    <a16:rowId xmlns:a16="http://schemas.microsoft.com/office/drawing/2014/main" val="1319318881"/>
+                  </a:ext>
+                </a:extLst>
+              </a:tr>
+              <a:tr h="370840">
+                <a:tc>
+                  <a:txBody>
+                    <a:bodyPr/>
+                    <a:lstStyle/>
+                    <a:p>
+                      <a:r>
+                        <a:rPr lang="en-US" dirty="0" smtClean="0"/>
+                        <a:t>Architecture style</a:t>
+                      </a:r>
+                      <a:endParaRPr lang="en-IN" dirty="0"/>
+                    </a:p>
+                  </a:txBody>
+                  <a:tcPr/>
+                </a:tc>
+                <a:tc>
+                  <a:txBody>
+                    <a:bodyPr/>
+                    <a:lstStyle/>
+                    <a:p>
+                      <a:r>
+                        <a:rPr lang="en-US" dirty="0" smtClean="0"/>
+                        <a:t>REST, SOA, IOC</a:t>
+                      </a:r>
+                      <a:endParaRPr lang="en-IN" dirty="0"/>
+                    </a:p>
+                  </a:txBody>
+                  <a:tcPr/>
+                </a:tc>
+                <a:extLst>
+                  <a:ext uri="{0D108BD9-81ED-4DB2-BD59-A6C34878D82A}">
+                    <a16:rowId xmlns:a16="http://schemas.microsoft.com/office/drawing/2014/main" val="4211904785"/>
+                  </a:ext>
+                </a:extLst>
+              </a:tr>
+            </a:tbl>
+          </a:graphicData>
+        </a:graphic>
+      </p:graphicFrame>
+    </p:spTree>
+    <p:extLst>
+      <p:ext uri="{BB962C8B-B14F-4D97-AF65-F5344CB8AC3E}">
+        <p14:creationId xmlns:p14="http://schemas.microsoft.com/office/powerpoint/2010/main" val="3450863483"/>
+      </p:ext>
+    </p:extLst>
+  </p:cSld>
+  <p:clrMapOvr>
+    <a:masterClrMapping/>
+  </p:clrMapOvr>
+  <p:timing>
+    <p:tnLst>
+      <p:par>
+        <p:cTn id="1" dur="indefinite" restart="never" nodeType="tmRoot"/>
+      </p:par>
+    </p:tnLst>
+  </p:timing>
+</p:sld>
+</file>
+
+<file path=ppt/slides/slide5.xml><?xml version="1.0" encoding="utf-8"?>
+<p:sld xmlns:a="http://schemas.openxmlformats.org/drawingml/2006/main" xmlns:r="http://schemas.openxmlformats.org/officeDocument/2006/relationships" xmlns:p="http://schemas.openxmlformats.org/presentationml/2006/main">
+  <p:cSld>
+    <p:spTree>
+      <p:nvGrpSpPr>
+        <p:cNvPr id="1" name=""/>
+        <p:cNvGrpSpPr/>
+        <p:nvPr/>
+      </p:nvGrpSpPr>
+      <p:grpSpPr>
+        <a:xfrm>
+          <a:off x="0" y="0"/>
+          <a:ext cx="0" cy="0"/>
+          <a:chOff x="0" y="0"/>
+          <a:chExt cx="0" cy="0"/>
+        </a:xfrm>
+      </p:grpSpPr>
+      <p:sp>
+        <p:nvSpPr>
+          <p:cNvPr id="2" name="Title 1"/>
+          <p:cNvSpPr>
+            <a:spLocks noGrp="1"/>
+          </p:cNvSpPr>
+          <p:nvPr>
+            <p:ph type="title"/>
+          </p:nvPr>
+        </p:nvSpPr>
+        <p:spPr/>
+        <p:txBody>
+          <a:bodyPr/>
+          <a:lstStyle/>
+          <a:p>
+            <a:endParaRPr lang="en-IN" dirty="0"/>
+          </a:p>
+        </p:txBody>
+      </p:sp>
+      <p:sp>
+        <p:nvSpPr>
+          <p:cNvPr id="3" name="Content Placeholder 2"/>
+          <p:cNvSpPr>
+            <a:spLocks noGrp="1"/>
+          </p:cNvSpPr>
+          <p:nvPr>
+            <p:ph idx="1"/>
+          </p:nvPr>
+        </p:nvSpPr>
+        <p:spPr/>
+        <p:txBody>
+          <a:bodyPr/>
+          <a:lstStyle/>
+          <a:p>
+            <a:r>
+              <a:rPr lang="en-GB" dirty="0"/>
+              <a:t>An Architectural Style is the application design at the highest level of abstraction;</a:t>
+            </a:r>
+          </a:p>
+          <a:p>
+            <a:r>
+              <a:rPr lang="en-GB" dirty="0"/>
+              <a:t>An Architectural Pattern is a way to implement </a:t>
+            </a:r>
+            <a:r>
+              <a:rPr lang="en-GB" dirty="0" smtClean="0"/>
+              <a:t>an Architectural Style;</a:t>
+            </a:r>
+            <a:endParaRPr lang="en-GB" dirty="0"/>
+          </a:p>
+          <a:p>
+            <a:r>
+              <a:rPr lang="en-GB" dirty="0"/>
+              <a:t>A Design Pattern is a way to solve a localised problem.</a:t>
+            </a:r>
+          </a:p>
+          <a:p>
+            <a:endParaRPr lang="en-IN" dirty="0"/>
+          </a:p>
+        </p:txBody>
+      </p:sp>
+    </p:spTree>
+    <p:extLst>
+      <p:ext uri="{BB962C8B-B14F-4D97-AF65-F5344CB8AC3E}">
+        <p14:creationId xmlns:p14="http://schemas.microsoft.com/office/powerpoint/2010/main" val="478777155"/>
+      </p:ext>
+    </p:extLst>
+  </p:cSld>
+  <p:clrMapOvr>
+    <a:masterClrMapping/>
+  </p:clrMapOvr>
+</p:sld>
+</file>
+
+<file path=ppt/slides/slide6.xml><?xml version="1.0" encoding="utf-8"?>
+<p:sld xmlns:a="http://schemas.openxmlformats.org/drawingml/2006/main" xmlns:r="http://schemas.openxmlformats.org/officeDocument/2006/relationships" xmlns:p="http://schemas.openxmlformats.org/presentationml/2006/main">
+  <p:cSld>
+    <p:spTree>
+      <p:nvGrpSpPr>
+        <p:cNvPr id="1" name=""/>
+        <p:cNvGrpSpPr/>
+        <p:nvPr/>
+      </p:nvGrpSpPr>
+      <p:grpSpPr>
+        <a:xfrm>
+          <a:off x="0" y="0"/>
+          <a:ext cx="0" cy="0"/>
+          <a:chOff x="0" y="0"/>
+          <a:chExt cx="0" cy="0"/>
+        </a:xfrm>
+      </p:grpSpPr>
+      <p:sp>
+        <p:nvSpPr>
+          <p:cNvPr id="2" name="Title 1"/>
+          <p:cNvSpPr>
+            <a:spLocks noGrp="1"/>
+          </p:cNvSpPr>
+          <p:nvPr>
+            <p:ph type="title"/>
+          </p:nvPr>
+        </p:nvSpPr>
+        <p:spPr/>
+        <p:txBody>
+          <a:bodyPr/>
+          <a:lstStyle/>
+          <a:p>
+            <a:endParaRPr lang="en-IN"/>
+          </a:p>
+        </p:txBody>
+      </p:sp>
+      <p:sp>
+        <p:nvSpPr>
+          <p:cNvPr id="3" name="Content Placeholder 2"/>
+          <p:cNvSpPr>
+            <a:spLocks noGrp="1"/>
+          </p:cNvSpPr>
+          <p:nvPr>
+            <p:ph idx="1"/>
+          </p:nvPr>
+        </p:nvSpPr>
+        <p:spPr/>
+        <p:txBody>
+          <a:bodyPr/>
+          <a:lstStyle/>
+          <a:p>
+            <a:endParaRPr lang="en-IN"/>
+          </a:p>
+        </p:txBody>
+      </p:sp>
+      <p:pic>
+        <p:nvPicPr>
+          <p:cNvPr id="4" name="Picture 3"/>
+          <p:cNvPicPr>
+            <a:picLocks noChangeAspect="1"/>
+          </p:cNvPicPr>
+          <p:nvPr/>
+        </p:nvPicPr>
+        <p:blipFill>
+          <a:blip r:embed="rId2"/>
+          <a:stretch>
+            <a:fillRect/>
+          </a:stretch>
+        </p:blipFill>
+        <p:spPr>
+          <a:xfrm>
+            <a:off x="2489154" y="2093976"/>
+            <a:ext cx="7553325" cy="3752850"/>
+          </a:xfrm>
+          <a:prstGeom prst="rect">
+            <a:avLst/>
+          </a:prstGeom>
+        </p:spPr>
+      </p:pic>
+    </p:spTree>
+    <p:extLst>
+      <p:ext uri="{BB962C8B-B14F-4D97-AF65-F5344CB8AC3E}">
+        <p14:creationId xmlns:p14="http://schemas.microsoft.com/office/powerpoint/2010/main" val="774799688"/>
+      </p:ext>
+    </p:extLst>
+  </p:cSld>
+  <p:clrMapOvr>
+    <a:masterClrMapping/>
+  </p:clrMapOvr>
+  <p:timing>
+    <p:tnLst>
+      <p:par>
+        <p:cTn id="1" dur="indefinite" restart="never" nodeType="tmRoot"/>
+      </p:par>
+    </p:tnLst>
+  </p:timing>
+</p:sld>
+</file>
+
+<file path=ppt/slides/slide7.xml><?xml version="1.0" encoding="utf-8"?>
 <p:sld xmlns:a="http://schemas.openxmlformats.org/drawingml/2006/main" xmlns:r="http://schemas.openxmlformats.org/officeDocument/2006/relationships" xmlns:p="http://schemas.openxmlformats.org/presentationml/2006/main">
   <p:cSld>
     <p:spTree>
@@ -4729,7 +5367,7 @@
 </p:sld>
 </file>
 
-<file path=ppt/slides/slide5.xml><?xml version="1.0" encoding="utf-8"?>
+<file path=ppt/slides/slide8.xml><?xml version="1.0" encoding="utf-8"?>
 <p:sld xmlns:a="http://schemas.openxmlformats.org/drawingml/2006/main" xmlns:r="http://schemas.openxmlformats.org/officeDocument/2006/relationships" xmlns:p="http://schemas.openxmlformats.org/presentationml/2006/main">
   <p:cSld>
     <p:spTree>
@@ -4850,7 +5488,7 @@
 </p:sld>
 </file>
 
-<file path=ppt/slides/slide6.xml><?xml version="1.0" encoding="utf-8"?>
+<file path=ppt/slides/slide9.xml><?xml version="1.0" encoding="utf-8"?>
 <p:sld xmlns:a="http://schemas.openxmlformats.org/drawingml/2006/main" xmlns:r="http://schemas.openxmlformats.org/officeDocument/2006/relationships" xmlns:p="http://schemas.openxmlformats.org/presentationml/2006/main">
   <p:cSld>
     <p:spTree>
@@ -4956,254 +5594,6 @@
       </p:par>
     </p:tnLst>
   </p:timing>
-</p:sld>
-</file>
-
-<file path=ppt/slides/slide7.xml><?xml version="1.0" encoding="utf-8"?>
-<p:sld xmlns:a="http://schemas.openxmlformats.org/drawingml/2006/main" xmlns:r="http://schemas.openxmlformats.org/officeDocument/2006/relationships" xmlns:p="http://schemas.openxmlformats.org/presentationml/2006/main">
-  <p:cSld>
-    <p:spTree>
-      <p:nvGrpSpPr>
-        <p:cNvPr id="1" name=""/>
-        <p:cNvGrpSpPr/>
-        <p:nvPr/>
-      </p:nvGrpSpPr>
-      <p:grpSpPr>
-        <a:xfrm>
-          <a:off x="0" y="0"/>
-          <a:ext cx="0" cy="0"/>
-          <a:chOff x="0" y="0"/>
-          <a:chExt cx="0" cy="0"/>
-        </a:xfrm>
-      </p:grpSpPr>
-      <p:sp>
-        <p:nvSpPr>
-          <p:cNvPr id="2" name="Title 1"/>
-          <p:cNvSpPr>
-            <a:spLocks noGrp="1"/>
-          </p:cNvSpPr>
-          <p:nvPr>
-            <p:ph type="title"/>
-          </p:nvPr>
-        </p:nvSpPr>
-        <p:spPr>
-          <a:xfrm>
-            <a:off x="1069848" y="484632"/>
-            <a:ext cx="10058400" cy="2833334"/>
-          </a:xfrm>
-        </p:spPr>
-        <p:txBody>
-          <a:bodyPr>
-            <a:normAutofit fontScale="90000"/>
-          </a:bodyPr>
-          <a:lstStyle/>
-          <a:p>
-            <a:r>
-              <a:rPr lang="en-GB" dirty="0"/>
-              <a:t>Difference between </a:t>
-            </a:r>
-            <a:r>
-              <a:rPr lang="en-GB" dirty="0" err="1"/>
-              <a:t>Desgin</a:t>
-            </a:r>
-            <a:r>
-              <a:rPr lang="en-GB" dirty="0"/>
-              <a:t> pattern, Architecture Pattern &amp; Architecture Style</a:t>
-            </a:r>
-            <a:br>
-              <a:rPr lang="en-GB" dirty="0"/>
-            </a:br>
-            <a:endParaRPr lang="en-IN" dirty="0"/>
-          </a:p>
-        </p:txBody>
-      </p:sp>
-      <p:sp>
-        <p:nvSpPr>
-          <p:cNvPr id="3" name="Content Placeholder 2"/>
-          <p:cNvSpPr>
-            <a:spLocks noGrp="1"/>
-          </p:cNvSpPr>
-          <p:nvPr>
-            <p:ph idx="1"/>
-          </p:nvPr>
-        </p:nvSpPr>
-        <p:spPr>
-          <a:xfrm>
-            <a:off x="1069848" y="2926080"/>
-            <a:ext cx="10058400" cy="3246120"/>
-          </a:xfrm>
-        </p:spPr>
-        <p:txBody>
-          <a:bodyPr/>
-          <a:lstStyle/>
-          <a:p>
-            <a:endParaRPr lang="en-IN" dirty="0"/>
-          </a:p>
-        </p:txBody>
-      </p:sp>
-    </p:spTree>
-    <p:extLst>
-      <p:ext uri="{BB962C8B-B14F-4D97-AF65-F5344CB8AC3E}">
-        <p14:creationId xmlns:p14="http://schemas.microsoft.com/office/powerpoint/2010/main" val="3450863483"/>
-      </p:ext>
-    </p:extLst>
-  </p:cSld>
-  <p:clrMapOvr>
-    <a:masterClrMapping/>
-  </p:clrMapOvr>
-</p:sld>
-</file>
-
-<file path=ppt/slides/slide8.xml><?xml version="1.0" encoding="utf-8"?>
-<p:sld xmlns:a="http://schemas.openxmlformats.org/drawingml/2006/main" xmlns:r="http://schemas.openxmlformats.org/officeDocument/2006/relationships" xmlns:p="http://schemas.openxmlformats.org/presentationml/2006/main">
-  <p:cSld>
-    <p:spTree>
-      <p:nvGrpSpPr>
-        <p:cNvPr id="1" name=""/>
-        <p:cNvGrpSpPr/>
-        <p:nvPr/>
-      </p:nvGrpSpPr>
-      <p:grpSpPr>
-        <a:xfrm>
-          <a:off x="0" y="0"/>
-          <a:ext cx="0" cy="0"/>
-          <a:chOff x="0" y="0"/>
-          <a:chExt cx="0" cy="0"/>
-        </a:xfrm>
-      </p:grpSpPr>
-      <p:sp>
-        <p:nvSpPr>
-          <p:cNvPr id="2" name="Title 1"/>
-          <p:cNvSpPr>
-            <a:spLocks noGrp="1"/>
-          </p:cNvSpPr>
-          <p:nvPr>
-            <p:ph type="title"/>
-          </p:nvPr>
-        </p:nvSpPr>
-        <p:spPr/>
-        <p:txBody>
-          <a:bodyPr/>
-          <a:lstStyle/>
-          <a:p>
-            <a:endParaRPr lang="en-IN" dirty="0"/>
-          </a:p>
-        </p:txBody>
-      </p:sp>
-      <p:pic>
-        <p:nvPicPr>
-          <p:cNvPr id="4" name="Content Placeholder 3"/>
-          <p:cNvPicPr>
-            <a:picLocks noGrp="1" noChangeAspect="1"/>
-          </p:cNvPicPr>
-          <p:nvPr>
-            <p:ph idx="1"/>
-          </p:nvPr>
-        </p:nvPicPr>
-        <p:blipFill>
-          <a:blip r:embed="rId2">
-            <a:extLst>
-              <a:ext uri="{28A0092B-C50C-407E-A947-70E740481C1C}">
-                <a14:useLocalDpi xmlns:a14="http://schemas.microsoft.com/office/drawing/2010/main" val="0"/>
-              </a:ext>
-            </a:extLst>
-          </a:blip>
-          <a:stretch>
-            <a:fillRect/>
-          </a:stretch>
-        </p:blipFill>
-        <p:spPr>
-          <a:xfrm>
-            <a:off x="4284616" y="1675964"/>
-            <a:ext cx="3229791" cy="4098474"/>
-          </a:xfrm>
-        </p:spPr>
-      </p:pic>
-    </p:spTree>
-    <p:extLst>
-      <p:ext uri="{BB962C8B-B14F-4D97-AF65-F5344CB8AC3E}">
-        <p14:creationId xmlns:p14="http://schemas.microsoft.com/office/powerpoint/2010/main" val="1811031861"/>
-      </p:ext>
-    </p:extLst>
-  </p:cSld>
-  <p:clrMapOvr>
-    <a:masterClrMapping/>
-  </p:clrMapOvr>
-</p:sld>
-</file>
-
-<file path=ppt/slides/slide9.xml><?xml version="1.0" encoding="utf-8"?>
-<p:sld xmlns:a="http://schemas.openxmlformats.org/drawingml/2006/main" xmlns:r="http://schemas.openxmlformats.org/officeDocument/2006/relationships" xmlns:p="http://schemas.openxmlformats.org/presentationml/2006/main">
-  <p:cSld>
-    <p:spTree>
-      <p:nvGrpSpPr>
-        <p:cNvPr id="1" name=""/>
-        <p:cNvGrpSpPr/>
-        <p:nvPr/>
-      </p:nvGrpSpPr>
-      <p:grpSpPr>
-        <a:xfrm>
-          <a:off x="0" y="0"/>
-          <a:ext cx="0" cy="0"/>
-          <a:chOff x="0" y="0"/>
-          <a:chExt cx="0" cy="0"/>
-        </a:xfrm>
-      </p:grpSpPr>
-      <p:sp>
-        <p:nvSpPr>
-          <p:cNvPr id="2" name="Title 1"/>
-          <p:cNvSpPr>
-            <a:spLocks noGrp="1"/>
-          </p:cNvSpPr>
-          <p:nvPr>
-            <p:ph type="title"/>
-          </p:nvPr>
-        </p:nvSpPr>
-        <p:spPr/>
-        <p:txBody>
-          <a:bodyPr/>
-          <a:lstStyle/>
-          <a:p>
-            <a:r>
-              <a:rPr lang="en-US" dirty="0" smtClean="0"/>
-              <a:t>Project demo</a:t>
-            </a:r>
-            <a:endParaRPr lang="en-IN" dirty="0"/>
-          </a:p>
-        </p:txBody>
-      </p:sp>
-      <p:sp>
-        <p:nvSpPr>
-          <p:cNvPr id="3" name="Content Placeholder 2"/>
-          <p:cNvSpPr>
-            <a:spLocks noGrp="1"/>
-          </p:cNvSpPr>
-          <p:nvPr>
-            <p:ph idx="1"/>
-          </p:nvPr>
-        </p:nvSpPr>
-        <p:spPr/>
-        <p:txBody>
-          <a:bodyPr/>
-          <a:lstStyle/>
-          <a:p>
-            <a:pPr marL="0" indent="0">
-              <a:buNone/>
-            </a:pPr>
-            <a:endParaRPr lang="en-IN" dirty="0"/>
-          </a:p>
-        </p:txBody>
-      </p:sp>
-    </p:spTree>
-    <p:extLst>
-      <p:ext uri="{BB962C8B-B14F-4D97-AF65-F5344CB8AC3E}">
-        <p14:creationId xmlns:p14="http://schemas.microsoft.com/office/powerpoint/2010/main" val="2392015522"/>
-      </p:ext>
-    </p:extLst>
-  </p:cSld>
-  <p:clrMapOvr>
-    <a:masterClrMapping/>
-  </p:clrMapOvr>
 </p:sld>
 </file>
 

--- a/PPT/Onion Architecture.pptx
+++ b/PPT/Onion Architecture.pptx
@@ -9,15 +9,19 @@
     <p:sldId id="281" r:id="rId3"/>
     <p:sldId id="268" r:id="rId4"/>
     <p:sldId id="283" r:id="rId5"/>
-    <p:sldId id="285" r:id="rId6"/>
-    <p:sldId id="284" r:id="rId7"/>
-    <p:sldId id="269" r:id="rId8"/>
-    <p:sldId id="271" r:id="rId9"/>
-    <p:sldId id="272" r:id="rId10"/>
-    <p:sldId id="273" r:id="rId11"/>
-    <p:sldId id="274" r:id="rId12"/>
-    <p:sldId id="282" r:id="rId13"/>
-    <p:sldId id="278" r:id="rId14"/>
+    <p:sldId id="289" r:id="rId6"/>
+    <p:sldId id="285" r:id="rId7"/>
+    <p:sldId id="284" r:id="rId8"/>
+    <p:sldId id="269" r:id="rId9"/>
+    <p:sldId id="288" r:id="rId10"/>
+    <p:sldId id="286" r:id="rId11"/>
+    <p:sldId id="271" r:id="rId12"/>
+    <p:sldId id="272" r:id="rId13"/>
+    <p:sldId id="287" r:id="rId14"/>
+    <p:sldId id="273" r:id="rId15"/>
+    <p:sldId id="274" r:id="rId16"/>
+    <p:sldId id="282" r:id="rId17"/>
+    <p:sldId id="278" r:id="rId18"/>
   </p:sldIdLst>
   <p:sldSz cx="12192000" cy="6858000"/>
   <p:notesSz cx="6858000" cy="9144000"/>
@@ -527,7 +531,7 @@
           <a:p>
             <a:fld id="{20BA9DDC-52D4-4332-8D45-91BD248B6AAE}" type="datetimeFigureOut">
               <a:rPr lang="en-IN" smtClean="0"/>
-              <a:t>09-07-2020</a:t>
+              <a:t>10-07-2020</a:t>
             </a:fld>
             <a:endParaRPr lang="en-IN"/>
           </a:p>
@@ -706,7 +710,7 @@
           <a:p>
             <a:fld id="{20BA9DDC-52D4-4332-8D45-91BD248B6AAE}" type="datetimeFigureOut">
               <a:rPr lang="en-IN" smtClean="0"/>
-              <a:t>09-07-2020</a:t>
+              <a:t>10-07-2020</a:t>
             </a:fld>
             <a:endParaRPr lang="en-IN"/>
           </a:p>
@@ -886,7 +890,7 @@
           <a:p>
             <a:fld id="{20BA9DDC-52D4-4332-8D45-91BD248B6AAE}" type="datetimeFigureOut">
               <a:rPr lang="en-IN" smtClean="0"/>
-              <a:t>09-07-2020</a:t>
+              <a:t>10-07-2020</a:t>
             </a:fld>
             <a:endParaRPr lang="en-IN"/>
           </a:p>
@@ -1056,7 +1060,7 @@
           <a:p>
             <a:fld id="{20BA9DDC-52D4-4332-8D45-91BD248B6AAE}" type="datetimeFigureOut">
               <a:rPr lang="en-IN" smtClean="0"/>
-              <a:t>09-07-2020</a:t>
+              <a:t>10-07-2020</a:t>
             </a:fld>
             <a:endParaRPr lang="en-IN"/>
           </a:p>
@@ -1369,7 +1373,7 @@
           <a:p>
             <a:fld id="{20BA9DDC-52D4-4332-8D45-91BD248B6AAE}" type="datetimeFigureOut">
               <a:rPr lang="en-IN" smtClean="0"/>
-              <a:t>09-07-2020</a:t>
+              <a:t>10-07-2020</a:t>
             </a:fld>
             <a:endParaRPr lang="en-IN"/>
           </a:p>
@@ -1755,7 +1759,7 @@
           <a:p>
             <a:fld id="{20BA9DDC-52D4-4332-8D45-91BD248B6AAE}" type="datetimeFigureOut">
               <a:rPr lang="en-IN" smtClean="0"/>
-              <a:t>09-07-2020</a:t>
+              <a:t>10-07-2020</a:t>
             </a:fld>
             <a:endParaRPr lang="en-IN"/>
           </a:p>
@@ -2189,7 +2193,7 @@
           <a:p>
             <a:fld id="{20BA9DDC-52D4-4332-8D45-91BD248B6AAE}" type="datetimeFigureOut">
               <a:rPr lang="en-IN" smtClean="0"/>
-              <a:t>09-07-2020</a:t>
+              <a:t>10-07-2020</a:t>
             </a:fld>
             <a:endParaRPr lang="en-IN"/>
           </a:p>
@@ -2307,7 +2311,7 @@
           <a:p>
             <a:fld id="{20BA9DDC-52D4-4332-8D45-91BD248B6AAE}" type="datetimeFigureOut">
               <a:rPr lang="en-IN" smtClean="0"/>
-              <a:t>09-07-2020</a:t>
+              <a:t>10-07-2020</a:t>
             </a:fld>
             <a:endParaRPr lang="en-IN"/>
           </a:p>
@@ -2402,7 +2406,7 @@
           <a:p>
             <a:fld id="{20BA9DDC-52D4-4332-8D45-91BD248B6AAE}" type="datetimeFigureOut">
               <a:rPr lang="en-IN" smtClean="0"/>
-              <a:t>09-07-2020</a:t>
+              <a:t>10-07-2020</a:t>
             </a:fld>
             <a:endParaRPr lang="en-IN"/>
           </a:p>
@@ -2752,7 +2756,7 @@
           <a:p>
             <a:fld id="{20BA9DDC-52D4-4332-8D45-91BD248B6AAE}" type="datetimeFigureOut">
               <a:rPr lang="en-IN" smtClean="0"/>
-              <a:t>09-07-2020</a:t>
+              <a:t>10-07-2020</a:t>
             </a:fld>
             <a:endParaRPr lang="en-IN"/>
           </a:p>
@@ -3177,7 +3181,7 @@
           <a:p>
             <a:fld id="{20BA9DDC-52D4-4332-8D45-91BD248B6AAE}" type="datetimeFigureOut">
               <a:rPr lang="en-IN" smtClean="0"/>
-              <a:t>09-07-2020</a:t>
+              <a:t>10-07-2020</a:t>
             </a:fld>
             <a:endParaRPr lang="en-IN"/>
           </a:p>
@@ -3458,7 +3462,7 @@
           <a:p>
             <a:fld id="{20BA9DDC-52D4-4332-8D45-91BD248B6AAE}" type="datetimeFigureOut">
               <a:rPr lang="en-IN" smtClean="0"/>
-              <a:t>09-07-2020</a:t>
+              <a:t>10-07-2020</a:t>
             </a:fld>
             <a:endParaRPr lang="en-IN"/>
           </a:p>
@@ -4210,6 +4214,382 @@
           <a:bodyPr/>
           <a:lstStyle/>
           <a:p>
+            <a:endParaRPr lang="en-IN"/>
+          </a:p>
+        </p:txBody>
+      </p:sp>
+      <p:pic>
+        <p:nvPicPr>
+          <p:cNvPr id="4" name="Content Placeholder 3"/>
+          <p:cNvPicPr>
+            <a:picLocks noGrp="1" noChangeAspect="1"/>
+          </p:cNvPicPr>
+          <p:nvPr>
+            <p:ph idx="1"/>
+          </p:nvPr>
+        </p:nvPicPr>
+        <p:blipFill>
+          <a:blip r:embed="rId2">
+            <a:extLst>
+              <a:ext uri="{28A0092B-C50C-407E-A947-70E740481C1C}">
+                <a14:useLocalDpi xmlns:a14="http://schemas.microsoft.com/office/drawing/2010/main" val="0"/>
+              </a:ext>
+            </a:extLst>
+          </a:blip>
+          <a:stretch>
+            <a:fillRect/>
+          </a:stretch>
+        </p:blipFill>
+        <p:spPr>
+          <a:xfrm>
+            <a:off x="3339085" y="2264591"/>
+            <a:ext cx="4553527" cy="4051300"/>
+          </a:xfrm>
+        </p:spPr>
+      </p:pic>
+    </p:spTree>
+    <p:extLst>
+      <p:ext uri="{BB962C8B-B14F-4D97-AF65-F5344CB8AC3E}">
+        <p14:creationId xmlns:p14="http://schemas.microsoft.com/office/powerpoint/2010/main" val="1333619284"/>
+      </p:ext>
+    </p:extLst>
+  </p:cSld>
+  <p:clrMapOvr>
+    <a:masterClrMapping/>
+  </p:clrMapOvr>
+</p:sld>
+</file>
+
+<file path=ppt/slides/slide11.xml><?xml version="1.0" encoding="utf-8"?>
+<p:sld xmlns:a="http://schemas.openxmlformats.org/drawingml/2006/main" xmlns:r="http://schemas.openxmlformats.org/officeDocument/2006/relationships" xmlns:p="http://schemas.openxmlformats.org/presentationml/2006/main">
+  <p:cSld>
+    <p:spTree>
+      <p:nvGrpSpPr>
+        <p:cNvPr id="1" name=""/>
+        <p:cNvGrpSpPr/>
+        <p:nvPr/>
+      </p:nvGrpSpPr>
+      <p:grpSpPr>
+        <a:xfrm>
+          <a:off x="0" y="0"/>
+          <a:ext cx="0" cy="0"/>
+          <a:chOff x="0" y="0"/>
+          <a:chExt cx="0" cy="0"/>
+        </a:xfrm>
+      </p:grpSpPr>
+      <p:sp>
+        <p:nvSpPr>
+          <p:cNvPr id="2" name="Title 1"/>
+          <p:cNvSpPr>
+            <a:spLocks noGrp="1"/>
+          </p:cNvSpPr>
+          <p:nvPr>
+            <p:ph type="title"/>
+          </p:nvPr>
+        </p:nvSpPr>
+        <p:spPr/>
+        <p:txBody>
+          <a:bodyPr/>
+          <a:lstStyle/>
+          <a:p>
+            <a:r>
+              <a:rPr lang="en-US" dirty="0" smtClean="0"/>
+              <a:t>Onion, CLEAN &amp; Hexagonal arch.</a:t>
+            </a:r>
+            <a:endParaRPr lang="en-IN" dirty="0"/>
+          </a:p>
+        </p:txBody>
+      </p:sp>
+      <p:sp>
+        <p:nvSpPr>
+          <p:cNvPr id="3" name="Content Placeholder 2"/>
+          <p:cNvSpPr>
+            <a:spLocks noGrp="1"/>
+          </p:cNvSpPr>
+          <p:nvPr>
+            <p:ph idx="1"/>
+          </p:nvPr>
+        </p:nvSpPr>
+        <p:spPr/>
+        <p:txBody>
+          <a:bodyPr/>
+          <a:lstStyle/>
+          <a:p>
+            <a:r>
+              <a:rPr lang="en-IN" dirty="0" smtClean="0">
+                <a:hlinkClick r:id="rId2"/>
+              </a:rPr>
+              <a:t>https</a:t>
+            </a:r>
+            <a:r>
+              <a:rPr lang="en-IN" dirty="0">
+                <a:hlinkClick r:id="rId2"/>
+              </a:rPr>
+              <a:t>://jeffreypalermo.com/2008/07/the-onion-architecture-part-1</a:t>
+            </a:r>
+            <a:r>
+              <a:rPr lang="en-IN" dirty="0" smtClean="0">
+                <a:hlinkClick r:id="rId2"/>
+              </a:rPr>
+              <a:t>/</a:t>
+            </a:r>
+            <a:endParaRPr lang="en-IN" dirty="0" smtClean="0"/>
+          </a:p>
+          <a:p>
+            <a:r>
+              <a:rPr lang="en-IN" dirty="0">
+                <a:hlinkClick r:id="rId3"/>
+              </a:rPr>
+              <a:t>https://</a:t>
+            </a:r>
+            <a:r>
+              <a:rPr lang="en-IN" dirty="0" smtClean="0">
+                <a:hlinkClick r:id="rId3"/>
+              </a:rPr>
+              <a:t>blog.cleancoder.com/uncle-bob/2012/08/13/the-clean-architecture.html</a:t>
+            </a:r>
+            <a:endParaRPr lang="en-IN" dirty="0" smtClean="0"/>
+          </a:p>
+          <a:p>
+            <a:r>
+              <a:rPr lang="en-IN" dirty="0">
+                <a:hlinkClick r:id="rId4"/>
+              </a:rPr>
+              <a:t>https://alistair.cockburn.us/hexagonal+architecture</a:t>
+            </a:r>
+            <a:endParaRPr lang="en-IN" dirty="0"/>
+          </a:p>
+        </p:txBody>
+      </p:sp>
+    </p:spTree>
+    <p:extLst>
+      <p:ext uri="{BB962C8B-B14F-4D97-AF65-F5344CB8AC3E}">
+        <p14:creationId xmlns:p14="http://schemas.microsoft.com/office/powerpoint/2010/main" val="401525593"/>
+      </p:ext>
+    </p:extLst>
+  </p:cSld>
+  <p:clrMapOvr>
+    <a:masterClrMapping/>
+  </p:clrMapOvr>
+  <p:timing>
+    <p:tnLst>
+      <p:par>
+        <p:cTn id="1" dur="indefinite" restart="never" nodeType="tmRoot"/>
+      </p:par>
+    </p:tnLst>
+  </p:timing>
+</p:sld>
+</file>
+
+<file path=ppt/slides/slide12.xml><?xml version="1.0" encoding="utf-8"?>
+<p:sld xmlns:a="http://schemas.openxmlformats.org/drawingml/2006/main" xmlns:r="http://schemas.openxmlformats.org/officeDocument/2006/relationships" xmlns:p="http://schemas.openxmlformats.org/presentationml/2006/main">
+  <p:cSld>
+    <p:spTree>
+      <p:nvGrpSpPr>
+        <p:cNvPr id="1" name=""/>
+        <p:cNvGrpSpPr/>
+        <p:nvPr/>
+      </p:nvGrpSpPr>
+      <p:grpSpPr>
+        <a:xfrm>
+          <a:off x="0" y="0"/>
+          <a:ext cx="0" cy="0"/>
+          <a:chOff x="0" y="0"/>
+          <a:chExt cx="0" cy="0"/>
+        </a:xfrm>
+      </p:grpSpPr>
+      <p:sp>
+        <p:nvSpPr>
+          <p:cNvPr id="2" name="Title 1"/>
+          <p:cNvSpPr>
+            <a:spLocks noGrp="1"/>
+          </p:cNvSpPr>
+          <p:nvPr>
+            <p:ph type="title"/>
+          </p:nvPr>
+        </p:nvSpPr>
+        <p:spPr/>
+        <p:txBody>
+          <a:bodyPr/>
+          <a:lstStyle/>
+          <a:p>
+            <a:r>
+              <a:rPr lang="en-US" dirty="0" smtClean="0"/>
+              <a:t>It’s all same thing</a:t>
+            </a:r>
+            <a:endParaRPr lang="en-IN" dirty="0"/>
+          </a:p>
+        </p:txBody>
+      </p:sp>
+      <p:sp>
+        <p:nvSpPr>
+          <p:cNvPr id="3" name="Content Placeholder 2"/>
+          <p:cNvSpPr>
+            <a:spLocks noGrp="1"/>
+          </p:cNvSpPr>
+          <p:nvPr>
+            <p:ph idx="1"/>
+          </p:nvPr>
+        </p:nvSpPr>
+        <p:spPr/>
+        <p:txBody>
+          <a:bodyPr/>
+          <a:lstStyle/>
+          <a:p>
+            <a:r>
+              <a:rPr lang="en-IN" dirty="0">
+                <a:hlinkClick r:id="rId2"/>
+              </a:rPr>
+              <a:t>https://blog.ploeh.dk/2013/12/03/layers-onions-ports-adapters-its-all-the-same/</a:t>
+            </a:r>
+            <a:endParaRPr lang="en-IN" dirty="0"/>
+          </a:p>
+        </p:txBody>
+      </p:sp>
+      <p:pic>
+        <p:nvPicPr>
+          <p:cNvPr id="4" name="Picture 3"/>
+          <p:cNvPicPr>
+            <a:picLocks noChangeAspect="1"/>
+          </p:cNvPicPr>
+          <p:nvPr/>
+        </p:nvPicPr>
+        <p:blipFill>
+          <a:blip r:embed="rId3"/>
+          <a:stretch>
+            <a:fillRect/>
+          </a:stretch>
+        </p:blipFill>
+        <p:spPr>
+          <a:xfrm>
+            <a:off x="1879201" y="2728939"/>
+            <a:ext cx="8648700" cy="3619500"/>
+          </a:xfrm>
+          <a:prstGeom prst="rect">
+            <a:avLst/>
+          </a:prstGeom>
+        </p:spPr>
+      </p:pic>
+    </p:spTree>
+    <p:extLst>
+      <p:ext uri="{BB962C8B-B14F-4D97-AF65-F5344CB8AC3E}">
+        <p14:creationId xmlns:p14="http://schemas.microsoft.com/office/powerpoint/2010/main" val="3975967525"/>
+      </p:ext>
+    </p:extLst>
+  </p:cSld>
+  <p:clrMapOvr>
+    <a:masterClrMapping/>
+  </p:clrMapOvr>
+  <p:timing>
+    <p:tnLst>
+      <p:par>
+        <p:cTn id="1" dur="indefinite" restart="never" nodeType="tmRoot"/>
+      </p:par>
+    </p:tnLst>
+  </p:timing>
+</p:sld>
+</file>
+
+<file path=ppt/slides/slide13.xml><?xml version="1.0" encoding="utf-8"?>
+<p:sld xmlns:a="http://schemas.openxmlformats.org/drawingml/2006/main" xmlns:r="http://schemas.openxmlformats.org/officeDocument/2006/relationships" xmlns:p="http://schemas.openxmlformats.org/presentationml/2006/main">
+  <p:cSld>
+    <p:spTree>
+      <p:nvGrpSpPr>
+        <p:cNvPr id="1" name=""/>
+        <p:cNvGrpSpPr/>
+        <p:nvPr/>
+      </p:nvGrpSpPr>
+      <p:grpSpPr>
+        <a:xfrm>
+          <a:off x="0" y="0"/>
+          <a:ext cx="0" cy="0"/>
+          <a:chOff x="0" y="0"/>
+          <a:chExt cx="0" cy="0"/>
+        </a:xfrm>
+      </p:grpSpPr>
+      <p:sp>
+        <p:nvSpPr>
+          <p:cNvPr id="2" name="Title 1"/>
+          <p:cNvSpPr>
+            <a:spLocks noGrp="1"/>
+          </p:cNvSpPr>
+          <p:nvPr>
+            <p:ph type="title"/>
+          </p:nvPr>
+        </p:nvSpPr>
+        <p:spPr/>
+        <p:txBody>
+          <a:bodyPr/>
+          <a:lstStyle/>
+          <a:p>
+            <a:endParaRPr lang="en-IN"/>
+          </a:p>
+        </p:txBody>
+      </p:sp>
+      <p:sp>
+        <p:nvSpPr>
+          <p:cNvPr id="3" name="Content Placeholder 2"/>
+          <p:cNvSpPr>
+            <a:spLocks noGrp="1"/>
+          </p:cNvSpPr>
+          <p:nvPr>
+            <p:ph idx="1"/>
+          </p:nvPr>
+        </p:nvSpPr>
+        <p:spPr/>
+        <p:txBody>
+          <a:bodyPr/>
+          <a:lstStyle/>
+          <a:p>
+            <a:endParaRPr lang="en-IN"/>
+          </a:p>
+        </p:txBody>
+      </p:sp>
+    </p:spTree>
+    <p:extLst>
+      <p:ext uri="{BB962C8B-B14F-4D97-AF65-F5344CB8AC3E}">
+        <p14:creationId xmlns:p14="http://schemas.microsoft.com/office/powerpoint/2010/main" val="3906069497"/>
+      </p:ext>
+    </p:extLst>
+  </p:cSld>
+  <p:clrMapOvr>
+    <a:masterClrMapping/>
+  </p:clrMapOvr>
+</p:sld>
+</file>
+
+<file path=ppt/slides/slide14.xml><?xml version="1.0" encoding="utf-8"?>
+<p:sld xmlns:a="http://schemas.openxmlformats.org/drawingml/2006/main" xmlns:r="http://schemas.openxmlformats.org/officeDocument/2006/relationships" xmlns:p="http://schemas.openxmlformats.org/presentationml/2006/main">
+  <p:cSld>
+    <p:spTree>
+      <p:nvGrpSpPr>
+        <p:cNvPr id="1" name=""/>
+        <p:cNvGrpSpPr/>
+        <p:nvPr/>
+      </p:nvGrpSpPr>
+      <p:grpSpPr>
+        <a:xfrm>
+          <a:off x="0" y="0"/>
+          <a:ext cx="0" cy="0"/>
+          <a:chOff x="0" y="0"/>
+          <a:chExt cx="0" cy="0"/>
+        </a:xfrm>
+      </p:grpSpPr>
+      <p:sp>
+        <p:nvSpPr>
+          <p:cNvPr id="2" name="Title 1"/>
+          <p:cNvSpPr>
+            <a:spLocks noGrp="1"/>
+          </p:cNvSpPr>
+          <p:nvPr>
+            <p:ph type="title"/>
+          </p:nvPr>
+        </p:nvSpPr>
+        <p:spPr/>
+        <p:txBody>
+          <a:bodyPr/>
+          <a:lstStyle/>
+          <a:p>
             <a:endParaRPr lang="en-IN" dirty="0"/>
           </a:p>
         </p:txBody>
@@ -4256,7 +4636,7 @@
 </p:sld>
 </file>
 
-<file path=ppt/slides/slide11.xml><?xml version="1.0" encoding="utf-8"?>
+<file path=ppt/slides/slide15.xml><?xml version="1.0" encoding="utf-8"?>
 <p:sld xmlns:a="http://schemas.openxmlformats.org/drawingml/2006/main" xmlns:r="http://schemas.openxmlformats.org/officeDocument/2006/relationships" xmlns:p="http://schemas.openxmlformats.org/presentationml/2006/main">
   <p:cSld>
     <p:spTree>
@@ -4331,7 +4711,7 @@
 </p:sld>
 </file>
 
-<file path=ppt/slides/slide12.xml><?xml version="1.0" encoding="utf-8"?>
+<file path=ppt/slides/slide16.xml><?xml version="1.0" encoding="utf-8"?>
 <p:sld xmlns:a="http://schemas.openxmlformats.org/drawingml/2006/main" xmlns:r="http://schemas.openxmlformats.org/officeDocument/2006/relationships" xmlns:p="http://schemas.openxmlformats.org/presentationml/2006/main">
   <p:cSld>
     <p:spTree>
@@ -4451,7 +4831,7 @@
 </p:sld>
 </file>
 
-<file path=ppt/slides/slide13.xml><?xml version="1.0" encoding="utf-8"?>
+<file path=ppt/slides/slide17.xml><?xml version="1.0" encoding="utf-8"?>
 <p:sld xmlns:a="http://schemas.openxmlformats.org/drawingml/2006/main" xmlns:r="http://schemas.openxmlformats.org/officeDocument/2006/relationships" xmlns:p="http://schemas.openxmlformats.org/presentationml/2006/main">
   <p:cSld>
     <p:spTree>
@@ -4728,11 +5108,7 @@
           <a:p>
             <a:r>
               <a:rPr lang="en-GB" dirty="0" smtClean="0"/>
-              <a:t>IOC</a:t>
-            </a:r>
-            <a:r>
-              <a:rPr lang="en-GB" dirty="0" smtClean="0"/>
-              <a:t>, DI</a:t>
+              <a:t>IOC, DI</a:t>
             </a:r>
           </a:p>
           <a:p>
@@ -4744,11 +5120,7 @@
           <a:p>
             <a:r>
               <a:rPr lang="en-GB" dirty="0" smtClean="0"/>
-              <a:t>Simple </a:t>
-            </a:r>
-            <a:r>
-              <a:rPr lang="en-GB" dirty="0" smtClean="0"/>
-              <a:t>Demo project for OA</a:t>
+              <a:t>Simple Demo project for OA</a:t>
             </a:r>
           </a:p>
           <a:p>
@@ -4858,6 +5230,133 @@
           </a:p>
         </p:txBody>
       </p:sp>
+      <p:sp>
+        <p:nvSpPr>
+          <p:cNvPr id="3" name="Content Placeholder 2"/>
+          <p:cNvSpPr>
+            <a:spLocks noGrp="1"/>
+          </p:cNvSpPr>
+          <p:nvPr>
+            <p:ph idx="1"/>
+          </p:nvPr>
+        </p:nvSpPr>
+        <p:spPr>
+          <a:xfrm>
+            <a:off x="1069848" y="2965268"/>
+            <a:ext cx="10058400" cy="3206931"/>
+          </a:xfrm>
+        </p:spPr>
+        <p:txBody>
+          <a:bodyPr/>
+          <a:lstStyle/>
+          <a:p>
+            <a:r>
+              <a:rPr lang="en-US" dirty="0" smtClean="0"/>
+              <a:t>In simple words</a:t>
+            </a:r>
+          </a:p>
+          <a:p>
+            <a:pPr lvl="1"/>
+            <a:r>
+              <a:rPr lang="en-US" dirty="0" smtClean="0"/>
+              <a:t>What you want</a:t>
+            </a:r>
+          </a:p>
+          <a:p>
+            <a:pPr lvl="1"/>
+            <a:r>
+              <a:rPr lang="en-US" dirty="0" smtClean="0"/>
+              <a:t>How you implement</a:t>
+            </a:r>
+          </a:p>
+          <a:p>
+            <a:pPr lvl="1"/>
+            <a:r>
+              <a:rPr lang="en-US" dirty="0" smtClean="0"/>
+              <a:t>How you solve problem</a:t>
+            </a:r>
+            <a:endParaRPr lang="en-IN" dirty="0"/>
+          </a:p>
+        </p:txBody>
+      </p:sp>
+    </p:spTree>
+    <p:extLst>
+      <p:ext uri="{BB962C8B-B14F-4D97-AF65-F5344CB8AC3E}">
+        <p14:creationId xmlns:p14="http://schemas.microsoft.com/office/powerpoint/2010/main" val="3450863483"/>
+      </p:ext>
+    </p:extLst>
+  </p:cSld>
+  <p:clrMapOvr>
+    <a:masterClrMapping/>
+  </p:clrMapOvr>
+  <p:timing>
+    <p:tnLst>
+      <p:par>
+        <p:cTn id="1" dur="indefinite" restart="never" nodeType="tmRoot"/>
+      </p:par>
+    </p:tnLst>
+  </p:timing>
+</p:sld>
+</file>
+
+<file path=ppt/slides/slide5.xml><?xml version="1.0" encoding="utf-8"?>
+<p:sld xmlns:a="http://schemas.openxmlformats.org/drawingml/2006/main" xmlns:r="http://schemas.openxmlformats.org/officeDocument/2006/relationships" xmlns:p="http://schemas.openxmlformats.org/presentationml/2006/main">
+  <p:cSld>
+    <p:spTree>
+      <p:nvGrpSpPr>
+        <p:cNvPr id="1" name=""/>
+        <p:cNvGrpSpPr/>
+        <p:nvPr/>
+      </p:nvGrpSpPr>
+      <p:grpSpPr>
+        <a:xfrm>
+          <a:off x="0" y="0"/>
+          <a:ext cx="0" cy="0"/>
+          <a:chOff x="0" y="0"/>
+          <a:chExt cx="0" cy="0"/>
+        </a:xfrm>
+      </p:grpSpPr>
+      <p:sp>
+        <p:nvSpPr>
+          <p:cNvPr id="2" name="Title 1"/>
+          <p:cNvSpPr>
+            <a:spLocks noGrp="1"/>
+          </p:cNvSpPr>
+          <p:nvPr>
+            <p:ph type="title"/>
+          </p:nvPr>
+        </p:nvSpPr>
+        <p:spPr>
+          <a:xfrm>
+            <a:off x="1069848" y="484632"/>
+            <a:ext cx="10058400" cy="2833334"/>
+          </a:xfrm>
+        </p:spPr>
+        <p:txBody>
+          <a:bodyPr>
+            <a:normAutofit fontScale="90000"/>
+          </a:bodyPr>
+          <a:lstStyle/>
+          <a:p>
+            <a:r>
+              <a:rPr lang="en-GB" dirty="0"/>
+              <a:t>Difference between </a:t>
+            </a:r>
+            <a:r>
+              <a:rPr lang="en-GB" dirty="0" smtClean="0"/>
+              <a:t>Design </a:t>
+            </a:r>
+            <a:r>
+              <a:rPr lang="en-GB" dirty="0"/>
+              <a:t>pattern, Architecture Pattern &amp; Architecture Style</a:t>
+            </a:r>
+            <a:br>
+              <a:rPr lang="en-GB" dirty="0"/>
+            </a:br>
+            <a:endParaRPr lang="en-IN" dirty="0"/>
+          </a:p>
+        </p:txBody>
+      </p:sp>
       <p:graphicFrame>
         <p:nvGraphicFramePr>
           <p:cNvPr id="4" name="Content Placeholder 3"/>
@@ -4868,14 +5367,14 @@
             <p:ph idx="1"/>
             <p:extLst>
               <p:ext uri="{D42A27DB-BD31-4B8C-83A1-F6EECF244321}">
-                <p14:modId xmlns:p14="http://schemas.microsoft.com/office/powerpoint/2010/main" val="163668191"/>
+                <p14:modId xmlns:p14="http://schemas.microsoft.com/office/powerpoint/2010/main" val="3972715935"/>
               </p:ext>
             </p:extLst>
           </p:nvPr>
         </p:nvGraphicFramePr>
         <p:xfrm>
           <a:off x="1069973" y="3409950"/>
-          <a:ext cx="9510940" cy="1483360"/>
+          <a:ext cx="9510940" cy="1752600"/>
         </p:xfrm>
         <a:graphic>
           <a:graphicData uri="http://schemas.openxmlformats.org/drawingml/2006/table">
@@ -4995,7 +5494,11 @@
                       </a:r>
                       <a:r>
                         <a:rPr lang="en-US" baseline="0" dirty="0" smtClean="0"/>
-                        <a:t> MVVM</a:t>
+                        <a:t> </a:t>
+                      </a:r>
+                      <a:r>
+                        <a:rPr lang="en-US" baseline="0" dirty="0" smtClean="0"/>
+                        <a:t>MVVM, ONION, CLEAN, HEXAGONAL</a:t>
                       </a:r>
                       <a:endParaRPr lang="en-IN" dirty="0"/>
                     </a:p>
@@ -5050,7 +5553,7 @@
     </p:spTree>
     <p:extLst>
       <p:ext uri="{BB962C8B-B14F-4D97-AF65-F5344CB8AC3E}">
-        <p14:creationId xmlns:p14="http://schemas.microsoft.com/office/powerpoint/2010/main" val="3450863483"/>
+        <p14:creationId xmlns:p14="http://schemas.microsoft.com/office/powerpoint/2010/main" val="797491642"/>
       </p:ext>
     </p:extLst>
   </p:cSld>
@@ -5067,7 +5570,7 @@
 </p:sld>
 </file>
 
-<file path=ppt/slides/slide5.xml><?xml version="1.0" encoding="utf-8"?>
+<file path=ppt/slides/slide6.xml><?xml version="1.0" encoding="utf-8"?>
 <p:sld xmlns:a="http://schemas.openxmlformats.org/drawingml/2006/main" xmlns:r="http://schemas.openxmlformats.org/officeDocument/2006/relationships" xmlns:p="http://schemas.openxmlformats.org/presentationml/2006/main">
   <p:cSld>
     <p:spTree>
@@ -5158,7 +5661,7 @@
 </p:sld>
 </file>
 
-<file path=ppt/slides/slide6.xml><?xml version="1.0" encoding="utf-8"?>
+<file path=ppt/slides/slide7.xml><?xml version="1.0" encoding="utf-8"?>
 <p:sld xmlns:a="http://schemas.openxmlformats.org/drawingml/2006/main" xmlns:r="http://schemas.openxmlformats.org/officeDocument/2006/relationships" xmlns:p="http://schemas.openxmlformats.org/presentationml/2006/main">
   <p:cSld>
     <p:spTree>
@@ -5257,7 +5760,7 @@
 </p:sld>
 </file>
 
-<file path=ppt/slides/slide7.xml><?xml version="1.0" encoding="utf-8"?>
+<file path=ppt/slides/slide8.xml><?xml version="1.0" encoding="utf-8"?>
 <p:sld xmlns:a="http://schemas.openxmlformats.org/drawingml/2006/main" xmlns:r="http://schemas.openxmlformats.org/officeDocument/2006/relationships" xmlns:p="http://schemas.openxmlformats.org/presentationml/2006/main">
   <p:cSld>
     <p:spTree>
@@ -5367,127 +5870,6 @@
 </p:sld>
 </file>
 
-<file path=ppt/slides/slide8.xml><?xml version="1.0" encoding="utf-8"?>
-<p:sld xmlns:a="http://schemas.openxmlformats.org/drawingml/2006/main" xmlns:r="http://schemas.openxmlformats.org/officeDocument/2006/relationships" xmlns:p="http://schemas.openxmlformats.org/presentationml/2006/main">
-  <p:cSld>
-    <p:spTree>
-      <p:nvGrpSpPr>
-        <p:cNvPr id="1" name=""/>
-        <p:cNvGrpSpPr/>
-        <p:nvPr/>
-      </p:nvGrpSpPr>
-      <p:grpSpPr>
-        <a:xfrm>
-          <a:off x="0" y="0"/>
-          <a:ext cx="0" cy="0"/>
-          <a:chOff x="0" y="0"/>
-          <a:chExt cx="0" cy="0"/>
-        </a:xfrm>
-      </p:grpSpPr>
-      <p:sp>
-        <p:nvSpPr>
-          <p:cNvPr id="2" name="Title 1"/>
-          <p:cNvSpPr>
-            <a:spLocks noGrp="1"/>
-          </p:cNvSpPr>
-          <p:nvPr>
-            <p:ph type="title"/>
-          </p:nvPr>
-        </p:nvSpPr>
-        <p:spPr/>
-        <p:txBody>
-          <a:bodyPr/>
-          <a:lstStyle/>
-          <a:p>
-            <a:r>
-              <a:rPr lang="en-US" dirty="0" smtClean="0"/>
-              <a:t>Onion, CLEAN &amp; Hexagonal arch.</a:t>
-            </a:r>
-            <a:endParaRPr lang="en-IN" dirty="0"/>
-          </a:p>
-        </p:txBody>
-      </p:sp>
-      <p:sp>
-        <p:nvSpPr>
-          <p:cNvPr id="3" name="Content Placeholder 2"/>
-          <p:cNvSpPr>
-            <a:spLocks noGrp="1"/>
-          </p:cNvSpPr>
-          <p:nvPr>
-            <p:ph idx="1"/>
-          </p:nvPr>
-        </p:nvSpPr>
-        <p:spPr/>
-        <p:txBody>
-          <a:bodyPr/>
-          <a:lstStyle/>
-          <a:p>
-            <a:r>
-              <a:rPr lang="en-IN" dirty="0" smtClean="0">
-                <a:hlinkClick r:id="rId2"/>
-              </a:rPr>
-              <a:t>https</a:t>
-            </a:r>
-            <a:r>
-              <a:rPr lang="en-IN" dirty="0">
-                <a:hlinkClick r:id="rId2"/>
-              </a:rPr>
-              <a:t>://jeffreypalermo.com/2008/07/the-onion-architecture-part-1</a:t>
-            </a:r>
-            <a:r>
-              <a:rPr lang="en-IN" dirty="0" smtClean="0">
-                <a:hlinkClick r:id="rId2"/>
-              </a:rPr>
-              <a:t>/</a:t>
-            </a:r>
-            <a:endParaRPr lang="en-IN" dirty="0" smtClean="0"/>
-          </a:p>
-          <a:p>
-            <a:r>
-              <a:rPr lang="en-IN" dirty="0">
-                <a:hlinkClick r:id="rId3"/>
-              </a:rPr>
-              <a:t>https://</a:t>
-            </a:r>
-            <a:r>
-              <a:rPr lang="en-IN" dirty="0" smtClean="0">
-                <a:hlinkClick r:id="rId3"/>
-              </a:rPr>
-              <a:t>blog.cleancoder.com/uncle-bob/2012/08/13/the-clean-architecture.html</a:t>
-            </a:r>
-            <a:endParaRPr lang="en-IN" dirty="0" smtClean="0"/>
-          </a:p>
-          <a:p>
-            <a:r>
-              <a:rPr lang="en-IN" dirty="0">
-                <a:hlinkClick r:id="rId4"/>
-              </a:rPr>
-              <a:t>https://alistair.cockburn.us/hexagonal+architecture</a:t>
-            </a:r>
-            <a:endParaRPr lang="en-IN" dirty="0"/>
-          </a:p>
-        </p:txBody>
-      </p:sp>
-    </p:spTree>
-    <p:extLst>
-      <p:ext uri="{BB962C8B-B14F-4D97-AF65-F5344CB8AC3E}">
-        <p14:creationId xmlns:p14="http://schemas.microsoft.com/office/powerpoint/2010/main" val="401525593"/>
-      </p:ext>
-    </p:extLst>
-  </p:cSld>
-  <p:clrMapOvr>
-    <a:masterClrMapping/>
-  </p:clrMapOvr>
-  <p:timing>
-    <p:tnLst>
-      <p:par>
-        <p:cTn id="1" dur="indefinite" restart="never" nodeType="tmRoot"/>
-      </p:par>
-    </p:tnLst>
-  </p:timing>
-</p:sld>
-</file>
-
 <file path=ppt/slides/slide9.xml><?xml version="1.0" encoding="utf-8"?>
 <p:sld xmlns:a="http://schemas.openxmlformats.org/drawingml/2006/main" xmlns:r="http://schemas.openxmlformats.org/officeDocument/2006/relationships" xmlns:p="http://schemas.openxmlformats.org/presentationml/2006/main">
   <p:cSld>
@@ -5522,32 +5904,7 @@
           <a:p>
             <a:r>
               <a:rPr lang="en-US" dirty="0" smtClean="0"/>
-              <a:t>It’s all same thing</a:t>
-            </a:r>
-            <a:endParaRPr lang="en-IN" dirty="0"/>
-          </a:p>
-        </p:txBody>
-      </p:sp>
-      <p:sp>
-        <p:nvSpPr>
-          <p:cNvPr id="3" name="Content Placeholder 2"/>
-          <p:cNvSpPr>
-            <a:spLocks noGrp="1"/>
-          </p:cNvSpPr>
-          <p:nvPr>
-            <p:ph idx="1"/>
-          </p:nvPr>
-        </p:nvSpPr>
-        <p:spPr/>
-        <p:txBody>
-          <a:bodyPr/>
-          <a:lstStyle/>
-          <a:p>
-            <a:r>
-              <a:rPr lang="en-IN" dirty="0">
-                <a:hlinkClick r:id="rId2"/>
-              </a:rPr>
-              <a:t>https://blog.ploeh.dk/2013/12/03/layers-onions-ports-adapters-its-all-the-same/</a:t>
+              <a:t>Onion architecture</a:t>
             </a:r>
             <a:endParaRPr lang="en-IN" dirty="0"/>
           </a:p>
@@ -5555,45 +5912,43 @@
       </p:sp>
       <p:pic>
         <p:nvPicPr>
-          <p:cNvPr id="4" name="Picture 3"/>
+          <p:cNvPr id="4" name="Content Placeholder 3"/>
           <p:cNvPicPr>
-            <a:picLocks noChangeAspect="1"/>
+            <a:picLocks noGrp="1" noChangeAspect="1"/>
           </p:cNvPicPr>
-          <p:nvPr/>
+          <p:nvPr>
+            <p:ph idx="1"/>
+          </p:nvPr>
         </p:nvPicPr>
         <p:blipFill>
-          <a:blip r:embed="rId3"/>
+          <a:blip r:embed="rId2">
+            <a:extLst>
+              <a:ext uri="{28A0092B-C50C-407E-A947-70E740481C1C}">
+                <a14:useLocalDpi xmlns:a14="http://schemas.microsoft.com/office/drawing/2010/main" val="0"/>
+              </a:ext>
+            </a:extLst>
+          </a:blip>
           <a:stretch>
             <a:fillRect/>
           </a:stretch>
         </p:blipFill>
         <p:spPr>
           <a:xfrm>
-            <a:off x="1879201" y="2728939"/>
-            <a:ext cx="8648700" cy="3619500"/>
+            <a:off x="3326022" y="2225402"/>
+            <a:ext cx="4553527" cy="4051300"/>
           </a:xfrm>
-          <a:prstGeom prst="rect">
-            <a:avLst/>
-          </a:prstGeom>
         </p:spPr>
       </p:pic>
     </p:spTree>
     <p:extLst>
       <p:ext uri="{BB962C8B-B14F-4D97-AF65-F5344CB8AC3E}">
-        <p14:creationId xmlns:p14="http://schemas.microsoft.com/office/powerpoint/2010/main" val="3975967525"/>
+        <p14:creationId xmlns:p14="http://schemas.microsoft.com/office/powerpoint/2010/main" val="1461500601"/>
       </p:ext>
     </p:extLst>
   </p:cSld>
   <p:clrMapOvr>
     <a:masterClrMapping/>
   </p:clrMapOvr>
-  <p:timing>
-    <p:tnLst>
-      <p:par>
-        <p:cTn id="1" dur="indefinite" restart="never" nodeType="tmRoot"/>
-      </p:par>
-    </p:tnLst>
-  </p:timing>
 </p:sld>
 </file>
 

--- a/PPT/Onion Architecture.pptx
+++ b/PPT/Onion Architecture.pptx
@@ -8,20 +8,21 @@
     <p:sldId id="256" r:id="rId2"/>
     <p:sldId id="281" r:id="rId3"/>
     <p:sldId id="268" r:id="rId4"/>
-    <p:sldId id="283" r:id="rId5"/>
-    <p:sldId id="289" r:id="rId6"/>
-    <p:sldId id="285" r:id="rId7"/>
-    <p:sldId id="284" r:id="rId8"/>
-    <p:sldId id="269" r:id="rId9"/>
-    <p:sldId id="288" r:id="rId10"/>
-    <p:sldId id="286" r:id="rId11"/>
-    <p:sldId id="271" r:id="rId12"/>
-    <p:sldId id="272" r:id="rId13"/>
-    <p:sldId id="287" r:id="rId14"/>
+    <p:sldId id="290" r:id="rId5"/>
+    <p:sldId id="292" r:id="rId6"/>
+    <p:sldId id="283" r:id="rId7"/>
+    <p:sldId id="291" r:id="rId8"/>
+    <p:sldId id="285" r:id="rId9"/>
+    <p:sldId id="269" r:id="rId10"/>
+    <p:sldId id="288" r:id="rId11"/>
+    <p:sldId id="286" r:id="rId12"/>
+    <p:sldId id="271" r:id="rId13"/>
+    <p:sldId id="272" r:id="rId14"/>
     <p:sldId id="273" r:id="rId15"/>
     <p:sldId id="274" r:id="rId16"/>
     <p:sldId id="282" r:id="rId17"/>
-    <p:sldId id="278" r:id="rId18"/>
+    <p:sldId id="293" r:id="rId18"/>
+    <p:sldId id="278" r:id="rId19"/>
   </p:sldIdLst>
   <p:sldSz cx="12192000" cy="6858000"/>
   <p:notesSz cx="6858000" cy="9144000"/>
@@ -531,7 +532,7 @@
           <a:p>
             <a:fld id="{20BA9DDC-52D4-4332-8D45-91BD248B6AAE}" type="datetimeFigureOut">
               <a:rPr lang="en-IN" smtClean="0"/>
-              <a:t>10-07-2020</a:t>
+              <a:t>11-07-2020</a:t>
             </a:fld>
             <a:endParaRPr lang="en-IN"/>
           </a:p>
@@ -710,7 +711,7 @@
           <a:p>
             <a:fld id="{20BA9DDC-52D4-4332-8D45-91BD248B6AAE}" type="datetimeFigureOut">
               <a:rPr lang="en-IN" smtClean="0"/>
-              <a:t>10-07-2020</a:t>
+              <a:t>11-07-2020</a:t>
             </a:fld>
             <a:endParaRPr lang="en-IN"/>
           </a:p>
@@ -890,7 +891,7 @@
           <a:p>
             <a:fld id="{20BA9DDC-52D4-4332-8D45-91BD248B6AAE}" type="datetimeFigureOut">
               <a:rPr lang="en-IN" smtClean="0"/>
-              <a:t>10-07-2020</a:t>
+              <a:t>11-07-2020</a:t>
             </a:fld>
             <a:endParaRPr lang="en-IN"/>
           </a:p>
@@ -1060,7 +1061,7 @@
           <a:p>
             <a:fld id="{20BA9DDC-52D4-4332-8D45-91BD248B6AAE}" type="datetimeFigureOut">
               <a:rPr lang="en-IN" smtClean="0"/>
-              <a:t>10-07-2020</a:t>
+              <a:t>11-07-2020</a:t>
             </a:fld>
             <a:endParaRPr lang="en-IN"/>
           </a:p>
@@ -1373,7 +1374,7 @@
           <a:p>
             <a:fld id="{20BA9DDC-52D4-4332-8D45-91BD248B6AAE}" type="datetimeFigureOut">
               <a:rPr lang="en-IN" smtClean="0"/>
-              <a:t>10-07-2020</a:t>
+              <a:t>11-07-2020</a:t>
             </a:fld>
             <a:endParaRPr lang="en-IN"/>
           </a:p>
@@ -1759,7 +1760,7 @@
           <a:p>
             <a:fld id="{20BA9DDC-52D4-4332-8D45-91BD248B6AAE}" type="datetimeFigureOut">
               <a:rPr lang="en-IN" smtClean="0"/>
-              <a:t>10-07-2020</a:t>
+              <a:t>11-07-2020</a:t>
             </a:fld>
             <a:endParaRPr lang="en-IN"/>
           </a:p>
@@ -2193,7 +2194,7 @@
           <a:p>
             <a:fld id="{20BA9DDC-52D4-4332-8D45-91BD248B6AAE}" type="datetimeFigureOut">
               <a:rPr lang="en-IN" smtClean="0"/>
-              <a:t>10-07-2020</a:t>
+              <a:t>11-07-2020</a:t>
             </a:fld>
             <a:endParaRPr lang="en-IN"/>
           </a:p>
@@ -2311,7 +2312,7 @@
           <a:p>
             <a:fld id="{20BA9DDC-52D4-4332-8D45-91BD248B6AAE}" type="datetimeFigureOut">
               <a:rPr lang="en-IN" smtClean="0"/>
-              <a:t>10-07-2020</a:t>
+              <a:t>11-07-2020</a:t>
             </a:fld>
             <a:endParaRPr lang="en-IN"/>
           </a:p>
@@ -2406,7 +2407,7 @@
           <a:p>
             <a:fld id="{20BA9DDC-52D4-4332-8D45-91BD248B6AAE}" type="datetimeFigureOut">
               <a:rPr lang="en-IN" smtClean="0"/>
-              <a:t>10-07-2020</a:t>
+              <a:t>11-07-2020</a:t>
             </a:fld>
             <a:endParaRPr lang="en-IN"/>
           </a:p>
@@ -2756,7 +2757,7 @@
           <a:p>
             <a:fld id="{20BA9DDC-52D4-4332-8D45-91BD248B6AAE}" type="datetimeFigureOut">
               <a:rPr lang="en-IN" smtClean="0"/>
-              <a:t>10-07-2020</a:t>
+              <a:t>11-07-2020</a:t>
             </a:fld>
             <a:endParaRPr lang="en-IN"/>
           </a:p>
@@ -3181,7 +3182,7 @@
           <a:p>
             <a:fld id="{20BA9DDC-52D4-4332-8D45-91BD248B6AAE}" type="datetimeFigureOut">
               <a:rPr lang="en-IN" smtClean="0"/>
-              <a:t>10-07-2020</a:t>
+              <a:t>11-07-2020</a:t>
             </a:fld>
             <a:endParaRPr lang="en-IN"/>
           </a:p>
@@ -3462,7 +3463,7 @@
           <a:p>
             <a:fld id="{20BA9DDC-52D4-4332-8D45-91BD248B6AAE}" type="datetimeFigureOut">
               <a:rPr lang="en-IN" smtClean="0"/>
-              <a:t>10-07-2020</a:t>
+              <a:t>11-07-2020</a:t>
             </a:fld>
             <a:endParaRPr lang="en-IN"/>
           </a:p>
@@ -4214,6 +4215,88 @@
           <a:bodyPr/>
           <a:lstStyle/>
           <a:p>
+            <a:r>
+              <a:rPr lang="en-US" dirty="0" smtClean="0"/>
+              <a:t>Onion architecture</a:t>
+            </a:r>
+            <a:endParaRPr lang="en-IN" dirty="0"/>
+          </a:p>
+        </p:txBody>
+      </p:sp>
+      <p:pic>
+        <p:nvPicPr>
+          <p:cNvPr id="4" name="Content Placeholder 3"/>
+          <p:cNvPicPr>
+            <a:picLocks noGrp="1" noChangeAspect="1"/>
+          </p:cNvPicPr>
+          <p:nvPr>
+            <p:ph idx="1"/>
+          </p:nvPr>
+        </p:nvPicPr>
+        <p:blipFill>
+          <a:blip r:embed="rId2">
+            <a:extLst>
+              <a:ext uri="{28A0092B-C50C-407E-A947-70E740481C1C}">
+                <a14:useLocalDpi xmlns:a14="http://schemas.microsoft.com/office/drawing/2010/main" val="0"/>
+              </a:ext>
+            </a:extLst>
+          </a:blip>
+          <a:stretch>
+            <a:fillRect/>
+          </a:stretch>
+        </p:blipFill>
+        <p:spPr>
+          <a:xfrm>
+            <a:off x="3326022" y="2225402"/>
+            <a:ext cx="4553527" cy="4051300"/>
+          </a:xfrm>
+        </p:spPr>
+      </p:pic>
+    </p:spTree>
+    <p:extLst>
+      <p:ext uri="{BB962C8B-B14F-4D97-AF65-F5344CB8AC3E}">
+        <p14:creationId xmlns:p14="http://schemas.microsoft.com/office/powerpoint/2010/main" val="1461500601"/>
+      </p:ext>
+    </p:extLst>
+  </p:cSld>
+  <p:clrMapOvr>
+    <a:masterClrMapping/>
+  </p:clrMapOvr>
+</p:sld>
+</file>
+
+<file path=ppt/slides/slide11.xml><?xml version="1.0" encoding="utf-8"?>
+<p:sld xmlns:a="http://schemas.openxmlformats.org/drawingml/2006/main" xmlns:r="http://schemas.openxmlformats.org/officeDocument/2006/relationships" xmlns:p="http://schemas.openxmlformats.org/presentationml/2006/main">
+  <p:cSld>
+    <p:spTree>
+      <p:nvGrpSpPr>
+        <p:cNvPr id="1" name=""/>
+        <p:cNvGrpSpPr/>
+        <p:nvPr/>
+      </p:nvGrpSpPr>
+      <p:grpSpPr>
+        <a:xfrm>
+          <a:off x="0" y="0"/>
+          <a:ext cx="0" cy="0"/>
+          <a:chOff x="0" y="0"/>
+          <a:chExt cx="0" cy="0"/>
+        </a:xfrm>
+      </p:grpSpPr>
+      <p:sp>
+        <p:nvSpPr>
+          <p:cNvPr id="2" name="Title 1"/>
+          <p:cNvSpPr>
+            <a:spLocks noGrp="1"/>
+          </p:cNvSpPr>
+          <p:nvPr>
+            <p:ph type="title"/>
+          </p:nvPr>
+        </p:nvSpPr>
+        <p:spPr/>
+        <p:txBody>
+          <a:bodyPr/>
+          <a:lstStyle/>
+          <a:p>
             <a:endParaRPr lang="en-IN"/>
           </a:p>
         </p:txBody>
@@ -4260,7 +4343,7 @@
 </p:sld>
 </file>
 
-<file path=ppt/slides/slide11.xml><?xml version="1.0" encoding="utf-8"?>
+<file path=ppt/slides/slide12.xml><?xml version="1.0" encoding="utf-8"?>
 <p:sld xmlns:a="http://schemas.openxmlformats.org/drawingml/2006/main" xmlns:r="http://schemas.openxmlformats.org/officeDocument/2006/relationships" xmlns:p="http://schemas.openxmlformats.org/presentationml/2006/main">
   <p:cSld>
     <p:spTree>
@@ -4381,7 +4464,7 @@
 </p:sld>
 </file>
 
-<file path=ppt/slides/slide12.xml><?xml version="1.0" encoding="utf-8"?>
+<file path=ppt/slides/slide13.xml><?xml version="1.0" encoding="utf-8"?>
 <p:sld xmlns:a="http://schemas.openxmlformats.org/drawingml/2006/main" xmlns:r="http://schemas.openxmlformats.org/officeDocument/2006/relationships" xmlns:p="http://schemas.openxmlformats.org/presentationml/2006/main">
   <p:cSld>
     <p:spTree>
@@ -4490,74 +4573,6 @@
 </p:sld>
 </file>
 
-<file path=ppt/slides/slide13.xml><?xml version="1.0" encoding="utf-8"?>
-<p:sld xmlns:a="http://schemas.openxmlformats.org/drawingml/2006/main" xmlns:r="http://schemas.openxmlformats.org/officeDocument/2006/relationships" xmlns:p="http://schemas.openxmlformats.org/presentationml/2006/main">
-  <p:cSld>
-    <p:spTree>
-      <p:nvGrpSpPr>
-        <p:cNvPr id="1" name=""/>
-        <p:cNvGrpSpPr/>
-        <p:nvPr/>
-      </p:nvGrpSpPr>
-      <p:grpSpPr>
-        <a:xfrm>
-          <a:off x="0" y="0"/>
-          <a:ext cx="0" cy="0"/>
-          <a:chOff x="0" y="0"/>
-          <a:chExt cx="0" cy="0"/>
-        </a:xfrm>
-      </p:grpSpPr>
-      <p:sp>
-        <p:nvSpPr>
-          <p:cNvPr id="2" name="Title 1"/>
-          <p:cNvSpPr>
-            <a:spLocks noGrp="1"/>
-          </p:cNvSpPr>
-          <p:nvPr>
-            <p:ph type="title"/>
-          </p:nvPr>
-        </p:nvSpPr>
-        <p:spPr/>
-        <p:txBody>
-          <a:bodyPr/>
-          <a:lstStyle/>
-          <a:p>
-            <a:endParaRPr lang="en-IN"/>
-          </a:p>
-        </p:txBody>
-      </p:sp>
-      <p:sp>
-        <p:nvSpPr>
-          <p:cNvPr id="3" name="Content Placeholder 2"/>
-          <p:cNvSpPr>
-            <a:spLocks noGrp="1"/>
-          </p:cNvSpPr>
-          <p:nvPr>
-            <p:ph idx="1"/>
-          </p:nvPr>
-        </p:nvSpPr>
-        <p:spPr/>
-        <p:txBody>
-          <a:bodyPr/>
-          <a:lstStyle/>
-          <a:p>
-            <a:endParaRPr lang="en-IN"/>
-          </a:p>
-        </p:txBody>
-      </p:sp>
-    </p:spTree>
-    <p:extLst>
-      <p:ext uri="{BB962C8B-B14F-4D97-AF65-F5344CB8AC3E}">
-        <p14:creationId xmlns:p14="http://schemas.microsoft.com/office/powerpoint/2010/main" val="3906069497"/>
-      </p:ext>
-    </p:extLst>
-  </p:cSld>
-  <p:clrMapOvr>
-    <a:masterClrMapping/>
-  </p:clrMapOvr>
-</p:sld>
-</file>
-
 <file path=ppt/slides/slide14.xml><?xml version="1.0" encoding="utf-8"?>
 <p:sld xmlns:a="http://schemas.openxmlformats.org/drawingml/2006/main" xmlns:r="http://schemas.openxmlformats.org/officeDocument/2006/relationships" xmlns:p="http://schemas.openxmlformats.org/presentationml/2006/main">
   <p:cSld>
@@ -4590,6 +4605,10 @@
           <a:bodyPr/>
           <a:lstStyle/>
           <a:p>
+            <a:r>
+              <a:rPr lang="en-US" dirty="0" smtClean="0"/>
+              <a:t>Class diagram </a:t>
+            </a:r>
             <a:endParaRPr lang="en-IN" dirty="0"/>
           </a:p>
         </p:txBody>
@@ -4618,7 +4637,7 @@
         </p:blipFill>
         <p:spPr>
           <a:xfrm>
-            <a:off x="4284616" y="1675964"/>
+            <a:off x="4484152" y="2237667"/>
             <a:ext cx="3229791" cy="4098474"/>
           </a:xfrm>
         </p:spPr>
@@ -4694,6 +4713,48 @@
             <a:pPr marL="0" indent="0">
               <a:buNone/>
             </a:pPr>
+            <a:r>
+              <a:rPr lang="en-US" dirty="0" smtClean="0"/>
+              <a:t>Project is available in Microsoft marketplace and nuget.org</a:t>
+            </a:r>
+          </a:p>
+          <a:p>
+            <a:endParaRPr lang="en-IN" dirty="0"/>
+          </a:p>
+          <a:p>
+            <a:r>
+              <a:rPr lang="en-IN" dirty="0" smtClean="0">
+                <a:hlinkClick r:id="rId2"/>
+              </a:rPr>
+              <a:t>https</a:t>
+            </a:r>
+            <a:r>
+              <a:rPr lang="en-IN" dirty="0">
+                <a:hlinkClick r:id="rId2"/>
+              </a:rPr>
+              <a:t>://</a:t>
+            </a:r>
+            <a:r>
+              <a:rPr lang="en-IN" dirty="0" smtClean="0">
+                <a:hlinkClick r:id="rId2"/>
+              </a:rPr>
+              <a:t>marketplace.visualstudio.com/items?itemName=AmitNaik.OnionArchitecture</a:t>
+            </a:r>
+            <a:endParaRPr lang="en-IN" dirty="0" smtClean="0"/>
+          </a:p>
+          <a:p>
+            <a:r>
+              <a:rPr lang="en-IN" dirty="0" smtClean="0">
+                <a:hlinkClick r:id="rId3"/>
+              </a:rPr>
+              <a:t>https</a:t>
+            </a:r>
+            <a:r>
+              <a:rPr lang="en-IN" dirty="0">
+                <a:hlinkClick r:id="rId3"/>
+              </a:rPr>
+              <a:t>://www.nuget.org/packages/OnionArchitecture.API/</a:t>
+            </a:r>
             <a:endParaRPr lang="en-IN" dirty="0"/>
           </a:p>
         </p:txBody>
@@ -4832,6 +4893,74 @@
 </file>
 
 <file path=ppt/slides/slide17.xml><?xml version="1.0" encoding="utf-8"?>
+<p:sld xmlns:a="http://schemas.openxmlformats.org/drawingml/2006/main" xmlns:r="http://schemas.openxmlformats.org/officeDocument/2006/relationships" xmlns:p="http://schemas.openxmlformats.org/presentationml/2006/main">
+  <p:cSld>
+    <p:spTree>
+      <p:nvGrpSpPr>
+        <p:cNvPr id="1" name=""/>
+        <p:cNvGrpSpPr/>
+        <p:nvPr/>
+      </p:nvGrpSpPr>
+      <p:grpSpPr>
+        <a:xfrm>
+          <a:off x="0" y="0"/>
+          <a:ext cx="0" cy="0"/>
+          <a:chOff x="0" y="0"/>
+          <a:chExt cx="0" cy="0"/>
+        </a:xfrm>
+      </p:grpSpPr>
+      <p:sp>
+        <p:nvSpPr>
+          <p:cNvPr id="2" name="Title 1"/>
+          <p:cNvSpPr>
+            <a:spLocks noGrp="1"/>
+          </p:cNvSpPr>
+          <p:nvPr>
+            <p:ph type="title"/>
+          </p:nvPr>
+        </p:nvSpPr>
+        <p:spPr/>
+        <p:txBody>
+          <a:bodyPr/>
+          <a:lstStyle/>
+          <a:p>
+            <a:endParaRPr lang="en-IN"/>
+          </a:p>
+        </p:txBody>
+      </p:sp>
+      <p:sp>
+        <p:nvSpPr>
+          <p:cNvPr id="3" name="Content Placeholder 2"/>
+          <p:cNvSpPr>
+            <a:spLocks noGrp="1"/>
+          </p:cNvSpPr>
+          <p:nvPr>
+            <p:ph idx="1"/>
+          </p:nvPr>
+        </p:nvSpPr>
+        <p:spPr/>
+        <p:txBody>
+          <a:bodyPr/>
+          <a:lstStyle/>
+          <a:p>
+            <a:endParaRPr lang="en-IN" dirty="0"/>
+          </a:p>
+        </p:txBody>
+      </p:sp>
+    </p:spTree>
+    <p:extLst>
+      <p:ext uri="{BB962C8B-B14F-4D97-AF65-F5344CB8AC3E}">
+        <p14:creationId xmlns:p14="http://schemas.microsoft.com/office/powerpoint/2010/main" val="3392532804"/>
+      </p:ext>
+    </p:extLst>
+  </p:cSld>
+  <p:clrMapOvr>
+    <a:masterClrMapping/>
+  </p:clrMapOvr>
+</p:sld>
+</file>
+
+<file path=ppt/slides/slide18.xml><?xml version="1.0" encoding="utf-8"?>
 <p:sld xmlns:a="http://schemas.openxmlformats.org/drawingml/2006/main" xmlns:r="http://schemas.openxmlformats.org/officeDocument/2006/relationships" xmlns:p="http://schemas.openxmlformats.org/presentationml/2006/main">
   <p:cSld>
     <p:spTree>
@@ -5075,15 +5204,12 @@
           </a:p>
           <a:p>
             <a:r>
-              <a:rPr lang="en-US" dirty="0"/>
-              <a:t>DATABASE-CENTRIC VS.</a:t>
-            </a:r>
-            <a:br>
-              <a:rPr lang="en-US" dirty="0"/>
-            </a:br>
-            <a:r>
-              <a:rPr lang="en-US" dirty="0"/>
-              <a:t>Domain-centric </a:t>
+              <a:rPr lang="en-US" dirty="0" smtClean="0"/>
+              <a:t>Database centric architecture</a:t>
+            </a:r>
+            <a:r>
+              <a:rPr lang="en-US" dirty="0" smtClean="0"/>
+              <a:t> vs. Domain-centric </a:t>
             </a:r>
             <a:r>
               <a:rPr lang="en-US" dirty="0" smtClean="0"/>
@@ -5093,17 +5219,12 @@
           <a:p>
             <a:r>
               <a:rPr lang="en-GB" dirty="0"/>
-              <a:t>What is </a:t>
-            </a:r>
-            <a:r>
-              <a:rPr lang="en-GB"/>
-              <a:t>Onion </a:t>
-            </a:r>
-            <a:r>
-              <a:rPr lang="en-GB" smtClean="0"/>
+              <a:t>What is Onion </a:t>
+            </a:r>
+            <a:r>
+              <a:rPr lang="en-GB" dirty="0" smtClean="0"/>
               <a:t>Architecture </a:t>
             </a:r>
-            <a:endParaRPr lang="en-GB" dirty="0" smtClean="0"/>
           </a:p>
           <a:p>
             <a:r>
@@ -5114,13 +5235,11 @@
           <a:p>
             <a:r>
               <a:rPr lang="en-GB" dirty="0" smtClean="0"/>
-              <a:t>DDD</a:t>
-            </a:r>
-          </a:p>
-          <a:p>
+              <a:t>Simple </a:t>
+            </a:r>
             <a:r>
               <a:rPr lang="en-GB" dirty="0" smtClean="0"/>
-              <a:t>Simple Demo project for OA</a:t>
+              <a:t>Demo project for OA</a:t>
             </a:r>
           </a:p>
           <a:p>
@@ -5199,6 +5318,220 @@
             <p:ph type="title"/>
           </p:nvPr>
         </p:nvSpPr>
+        <p:spPr/>
+        <p:txBody>
+          <a:bodyPr/>
+          <a:lstStyle/>
+          <a:p>
+            <a:r>
+              <a:rPr lang="en-US" dirty="0" smtClean="0"/>
+              <a:t>Session will cover some Interview question</a:t>
+            </a:r>
+            <a:endParaRPr lang="en-IN" dirty="0"/>
+          </a:p>
+        </p:txBody>
+      </p:sp>
+      <p:sp>
+        <p:nvSpPr>
+          <p:cNvPr id="3" name="Content Placeholder 2"/>
+          <p:cNvSpPr>
+            <a:spLocks noGrp="1"/>
+          </p:cNvSpPr>
+          <p:nvPr>
+            <p:ph idx="1"/>
+          </p:nvPr>
+        </p:nvSpPr>
+        <p:spPr/>
+        <p:txBody>
+          <a:bodyPr/>
+          <a:lstStyle/>
+          <a:p>
+            <a:r>
+              <a:rPr lang="en-US" dirty="0" smtClean="0"/>
+              <a:t>What are design pattern you have used in your project? Can you explain few with example?</a:t>
+            </a:r>
+          </a:p>
+          <a:p>
+            <a:r>
+              <a:rPr lang="en-US" dirty="0" smtClean="0"/>
+              <a:t>What is difference between Design pattern and Architecture pattern</a:t>
+            </a:r>
+          </a:p>
+          <a:p>
+            <a:r>
+              <a:rPr lang="en-US" dirty="0" smtClean="0"/>
+              <a:t>Project demo</a:t>
+            </a:r>
+          </a:p>
+          <a:p>
+            <a:r>
+              <a:rPr lang="en-US" dirty="0" smtClean="0"/>
+              <a:t>How you document your project</a:t>
+            </a:r>
+          </a:p>
+          <a:p>
+            <a:r>
+              <a:rPr lang="en-US" dirty="0" smtClean="0"/>
+              <a:t>Best practice for code quality</a:t>
+            </a:r>
+          </a:p>
+          <a:p>
+            <a:pPr lvl="1"/>
+            <a:r>
+              <a:rPr lang="en-US" dirty="0" smtClean="0"/>
+              <a:t>Clean code, release/tags, versioning, code review</a:t>
+            </a:r>
+          </a:p>
+          <a:p>
+            <a:endParaRPr lang="en-IN" dirty="0"/>
+          </a:p>
+        </p:txBody>
+      </p:sp>
+    </p:spTree>
+    <p:extLst>
+      <p:ext uri="{BB962C8B-B14F-4D97-AF65-F5344CB8AC3E}">
+        <p14:creationId xmlns:p14="http://schemas.microsoft.com/office/powerpoint/2010/main" val="4088322093"/>
+      </p:ext>
+    </p:extLst>
+  </p:cSld>
+  <p:clrMapOvr>
+    <a:masterClrMapping/>
+  </p:clrMapOvr>
+</p:sld>
+</file>
+
+<file path=ppt/slides/slide5.xml><?xml version="1.0" encoding="utf-8"?>
+<p:sld xmlns:a="http://schemas.openxmlformats.org/drawingml/2006/main" xmlns:r="http://schemas.openxmlformats.org/officeDocument/2006/relationships" xmlns:p="http://schemas.openxmlformats.org/presentationml/2006/main">
+  <p:cSld>
+    <p:spTree>
+      <p:nvGrpSpPr>
+        <p:cNvPr id="1" name=""/>
+        <p:cNvGrpSpPr/>
+        <p:nvPr/>
+      </p:nvGrpSpPr>
+      <p:grpSpPr>
+        <a:xfrm>
+          <a:off x="0" y="0"/>
+          <a:ext cx="0" cy="0"/>
+          <a:chOff x="0" y="0"/>
+          <a:chExt cx="0" cy="0"/>
+        </a:xfrm>
+      </p:grpSpPr>
+      <p:sp>
+        <p:nvSpPr>
+          <p:cNvPr id="2" name="Title 1"/>
+          <p:cNvSpPr>
+            <a:spLocks noGrp="1"/>
+          </p:cNvSpPr>
+          <p:nvPr>
+            <p:ph type="title"/>
+          </p:nvPr>
+        </p:nvSpPr>
+        <p:spPr/>
+        <p:txBody>
+          <a:bodyPr/>
+          <a:lstStyle/>
+          <a:p>
+            <a:r>
+              <a:rPr lang="en-US" dirty="0" smtClean="0"/>
+              <a:t>What is onion architecture</a:t>
+            </a:r>
+            <a:endParaRPr lang="en-IN" dirty="0"/>
+          </a:p>
+        </p:txBody>
+      </p:sp>
+      <p:sp>
+        <p:nvSpPr>
+          <p:cNvPr id="3" name="Content Placeholder 2"/>
+          <p:cNvSpPr>
+            <a:spLocks noGrp="1"/>
+          </p:cNvSpPr>
+          <p:nvPr>
+            <p:ph idx="1"/>
+          </p:nvPr>
+        </p:nvSpPr>
+        <p:spPr/>
+        <p:txBody>
+          <a:bodyPr>
+            <a:normAutofit/>
+          </a:bodyPr>
+          <a:lstStyle/>
+          <a:p>
+            <a:r>
+              <a:rPr lang="en-GB" dirty="0" smtClean="0"/>
+              <a:t>Architecture pattern</a:t>
+            </a:r>
+          </a:p>
+          <a:p>
+            <a:r>
+              <a:rPr lang="en-GB" dirty="0" smtClean="0"/>
+              <a:t>Composed of Domain centric architecture </a:t>
+            </a:r>
+          </a:p>
+          <a:p>
+            <a:r>
+              <a:rPr lang="en-GB" dirty="0"/>
+              <a:t>Based on IOC</a:t>
+            </a:r>
+          </a:p>
+          <a:p>
+            <a:endParaRPr lang="en-GB" dirty="0" smtClean="0"/>
+          </a:p>
+          <a:p>
+            <a:pPr marL="0" indent="0">
+              <a:buNone/>
+            </a:pPr>
+            <a:r>
+              <a:rPr lang="en-GB" dirty="0"/>
+              <a:t/>
+            </a:r>
+            <a:br>
+              <a:rPr lang="en-GB" dirty="0"/>
+            </a:br>
+            <a:endParaRPr lang="en-IN" dirty="0"/>
+          </a:p>
+        </p:txBody>
+      </p:sp>
+    </p:spTree>
+    <p:extLst>
+      <p:ext uri="{BB962C8B-B14F-4D97-AF65-F5344CB8AC3E}">
+        <p14:creationId xmlns:p14="http://schemas.microsoft.com/office/powerpoint/2010/main" val="2249711147"/>
+      </p:ext>
+    </p:extLst>
+  </p:cSld>
+  <p:clrMapOvr>
+    <a:masterClrMapping/>
+  </p:clrMapOvr>
+</p:sld>
+</file>
+
+<file path=ppt/slides/slide6.xml><?xml version="1.0" encoding="utf-8"?>
+<p:sld xmlns:a="http://schemas.openxmlformats.org/drawingml/2006/main" xmlns:r="http://schemas.openxmlformats.org/officeDocument/2006/relationships" xmlns:p="http://schemas.openxmlformats.org/presentationml/2006/main">
+  <p:cSld>
+    <p:spTree>
+      <p:nvGrpSpPr>
+        <p:cNvPr id="1" name=""/>
+        <p:cNvGrpSpPr/>
+        <p:nvPr/>
+      </p:nvGrpSpPr>
+      <p:grpSpPr>
+        <a:xfrm>
+          <a:off x="0" y="0"/>
+          <a:ext cx="0" cy="0"/>
+          <a:chOff x="0" y="0"/>
+          <a:chExt cx="0" cy="0"/>
+        </a:xfrm>
+      </p:grpSpPr>
+      <p:sp>
+        <p:nvSpPr>
+          <p:cNvPr id="2" name="Title 1"/>
+          <p:cNvSpPr>
+            <a:spLocks noGrp="1"/>
+          </p:cNvSpPr>
+          <p:nvPr>
+            <p:ph type="title"/>
+          </p:nvPr>
+        </p:nvSpPr>
         <p:spPr>
           <a:xfrm>
             <a:off x="1069848" y="484632"/>
@@ -5299,368 +5632,6 @@
 </p:sld>
 </file>
 
-<file path=ppt/slides/slide5.xml><?xml version="1.0" encoding="utf-8"?>
-<p:sld xmlns:a="http://schemas.openxmlformats.org/drawingml/2006/main" xmlns:r="http://schemas.openxmlformats.org/officeDocument/2006/relationships" xmlns:p="http://schemas.openxmlformats.org/presentationml/2006/main">
-  <p:cSld>
-    <p:spTree>
-      <p:nvGrpSpPr>
-        <p:cNvPr id="1" name=""/>
-        <p:cNvGrpSpPr/>
-        <p:nvPr/>
-      </p:nvGrpSpPr>
-      <p:grpSpPr>
-        <a:xfrm>
-          <a:off x="0" y="0"/>
-          <a:ext cx="0" cy="0"/>
-          <a:chOff x="0" y="0"/>
-          <a:chExt cx="0" cy="0"/>
-        </a:xfrm>
-      </p:grpSpPr>
-      <p:sp>
-        <p:nvSpPr>
-          <p:cNvPr id="2" name="Title 1"/>
-          <p:cNvSpPr>
-            <a:spLocks noGrp="1"/>
-          </p:cNvSpPr>
-          <p:nvPr>
-            <p:ph type="title"/>
-          </p:nvPr>
-        </p:nvSpPr>
-        <p:spPr>
-          <a:xfrm>
-            <a:off x="1069848" y="484632"/>
-            <a:ext cx="10058400" cy="2833334"/>
-          </a:xfrm>
-        </p:spPr>
-        <p:txBody>
-          <a:bodyPr>
-            <a:normAutofit fontScale="90000"/>
-          </a:bodyPr>
-          <a:lstStyle/>
-          <a:p>
-            <a:r>
-              <a:rPr lang="en-GB" dirty="0"/>
-              <a:t>Difference between </a:t>
-            </a:r>
-            <a:r>
-              <a:rPr lang="en-GB" dirty="0" smtClean="0"/>
-              <a:t>Design </a:t>
-            </a:r>
-            <a:r>
-              <a:rPr lang="en-GB" dirty="0"/>
-              <a:t>pattern, Architecture Pattern &amp; Architecture Style</a:t>
-            </a:r>
-            <a:br>
-              <a:rPr lang="en-GB" dirty="0"/>
-            </a:br>
-            <a:endParaRPr lang="en-IN" dirty="0"/>
-          </a:p>
-        </p:txBody>
-      </p:sp>
-      <p:graphicFrame>
-        <p:nvGraphicFramePr>
-          <p:cNvPr id="4" name="Content Placeholder 3"/>
-          <p:cNvGraphicFramePr>
-            <a:graphicFrameLocks noGrp="1"/>
-          </p:cNvGraphicFramePr>
-          <p:nvPr>
-            <p:ph idx="1"/>
-            <p:extLst>
-              <p:ext uri="{D42A27DB-BD31-4B8C-83A1-F6EECF244321}">
-                <p14:modId xmlns:p14="http://schemas.microsoft.com/office/powerpoint/2010/main" val="3972715935"/>
-              </p:ext>
-            </p:extLst>
-          </p:nvPr>
-        </p:nvGraphicFramePr>
-        <p:xfrm>
-          <a:off x="1069973" y="3409950"/>
-          <a:ext cx="9510940" cy="1752600"/>
-        </p:xfrm>
-        <a:graphic>
-          <a:graphicData uri="http://schemas.openxmlformats.org/drawingml/2006/table">
-            <a:tbl>
-              <a:tblPr firstRow="1" bandRow="1">
-                <a:tableStyleId>{5C22544A-7EE6-4342-B048-85BDC9FD1C3A}</a:tableStyleId>
-              </a:tblPr>
-              <a:tblGrid>
-                <a:gridCol w="4755470">
-                  <a:extLst>
-                    <a:ext uri="{9D8B030D-6E8A-4147-A177-3AD203B41FA5}">
-                      <a16:colId xmlns:a16="http://schemas.microsoft.com/office/drawing/2014/main" val="3683941524"/>
-                    </a:ext>
-                  </a:extLst>
-                </a:gridCol>
-                <a:gridCol w="4755470">
-                  <a:extLst>
-                    <a:ext uri="{9D8B030D-6E8A-4147-A177-3AD203B41FA5}">
-                      <a16:colId xmlns:a16="http://schemas.microsoft.com/office/drawing/2014/main" val="2032355588"/>
-                    </a:ext>
-                  </a:extLst>
-                </a:gridCol>
-              </a:tblGrid>
-              <a:tr h="370840">
-                <a:tc>
-                  <a:txBody>
-                    <a:bodyPr/>
-                    <a:lstStyle/>
-                    <a:p>
-                      <a:endParaRPr lang="en-IN" dirty="0"/>
-                    </a:p>
-                  </a:txBody>
-                  <a:tcPr/>
-                </a:tc>
-                <a:tc>
-                  <a:txBody>
-                    <a:bodyPr/>
-                    <a:lstStyle/>
-                    <a:p>
-                      <a:endParaRPr lang="en-IN" dirty="0"/>
-                    </a:p>
-                  </a:txBody>
-                  <a:tcPr/>
-                </a:tc>
-                <a:extLst>
-                  <a:ext uri="{0D108BD9-81ED-4DB2-BD59-A6C34878D82A}">
-                    <a16:rowId xmlns:a16="http://schemas.microsoft.com/office/drawing/2014/main" val="1830496516"/>
-                  </a:ext>
-                </a:extLst>
-              </a:tr>
-              <a:tr h="370840">
-                <a:tc>
-                  <a:txBody>
-                    <a:bodyPr/>
-                    <a:lstStyle/>
-                    <a:p>
-                      <a:r>
-                        <a:rPr lang="en-US" dirty="0" smtClean="0"/>
-                        <a:t>Design pattern</a:t>
-                      </a:r>
-                      <a:endParaRPr lang="en-IN" dirty="0"/>
-                    </a:p>
-                  </a:txBody>
-                  <a:tcPr/>
-                </a:tc>
-                <a:tc>
-                  <a:txBody>
-                    <a:bodyPr/>
-                    <a:lstStyle/>
-                    <a:p>
-                      <a:r>
-                        <a:rPr lang="en-US" dirty="0" err="1" smtClean="0"/>
-                        <a:t>Facotry</a:t>
-                      </a:r>
-                      <a:r>
-                        <a:rPr lang="en-US" dirty="0" smtClean="0"/>
-                        <a:t>, Iterator,</a:t>
-                      </a:r>
-                      <a:r>
-                        <a:rPr lang="en-US" baseline="0" dirty="0" smtClean="0"/>
-                        <a:t> Singleton</a:t>
-                      </a:r>
-                      <a:endParaRPr lang="en-IN" dirty="0"/>
-                    </a:p>
-                  </a:txBody>
-                  <a:tcPr/>
-                </a:tc>
-                <a:extLst>
-                  <a:ext uri="{0D108BD9-81ED-4DB2-BD59-A6C34878D82A}">
-                    <a16:rowId xmlns:a16="http://schemas.microsoft.com/office/drawing/2014/main" val="3018954945"/>
-                  </a:ext>
-                </a:extLst>
-              </a:tr>
-              <a:tr h="370840">
-                <a:tc>
-                  <a:txBody>
-                    <a:bodyPr/>
-                    <a:lstStyle/>
-                    <a:p>
-                      <a:r>
-                        <a:rPr lang="en-US" dirty="0" smtClean="0"/>
-                        <a:t>Architecture pattern</a:t>
-                      </a:r>
-                      <a:endParaRPr lang="en-IN" dirty="0"/>
-                    </a:p>
-                  </a:txBody>
-                  <a:tcPr/>
-                </a:tc>
-                <a:tc>
-                  <a:txBody>
-                    <a:bodyPr/>
-                    <a:lstStyle/>
-                    <a:p>
-                      <a:r>
-                        <a:rPr lang="en-US" dirty="0" smtClean="0"/>
-                        <a:t>MVC, MVP,</a:t>
-                      </a:r>
-                      <a:r>
-                        <a:rPr lang="en-US" baseline="0" dirty="0" smtClean="0"/>
-                        <a:t> </a:t>
-                      </a:r>
-                      <a:r>
-                        <a:rPr lang="en-US" baseline="0" dirty="0" smtClean="0"/>
-                        <a:t>MVVM, ONION, CLEAN, HEXAGONAL</a:t>
-                      </a:r>
-                      <a:endParaRPr lang="en-IN" dirty="0"/>
-                    </a:p>
-                  </a:txBody>
-                  <a:tcPr/>
-                </a:tc>
-                <a:extLst>
-                  <a:ext uri="{0D108BD9-81ED-4DB2-BD59-A6C34878D82A}">
-                    <a16:rowId xmlns:a16="http://schemas.microsoft.com/office/drawing/2014/main" val="1319318881"/>
-                  </a:ext>
-                </a:extLst>
-              </a:tr>
-              <a:tr h="370840">
-                <a:tc>
-                  <a:txBody>
-                    <a:bodyPr/>
-                    <a:lstStyle/>
-                    <a:p>
-                      <a:r>
-                        <a:rPr lang="en-US" dirty="0" smtClean="0"/>
-                        <a:t>Architecture style</a:t>
-                      </a:r>
-                      <a:endParaRPr lang="en-IN" dirty="0"/>
-                    </a:p>
-                  </a:txBody>
-                  <a:tcPr/>
-                </a:tc>
-                <a:tc>
-                  <a:txBody>
-                    <a:bodyPr/>
-                    <a:lstStyle/>
-                    <a:p>
-                      <a:r>
-                        <a:rPr lang="en-US" dirty="0" smtClean="0"/>
-                        <a:t>REST, SOA, IOC</a:t>
-                      </a:r>
-                      <a:endParaRPr lang="en-IN" dirty="0"/>
-                    </a:p>
-                  </a:txBody>
-                  <a:tcPr/>
-                </a:tc>
-                <a:extLst>
-                  <a:ext uri="{0D108BD9-81ED-4DB2-BD59-A6C34878D82A}">
-                    <a16:rowId xmlns:a16="http://schemas.microsoft.com/office/drawing/2014/main" val="4211904785"/>
-                  </a:ext>
-                </a:extLst>
-              </a:tr>
-            </a:tbl>
-          </a:graphicData>
-        </a:graphic>
-      </p:graphicFrame>
-    </p:spTree>
-    <p:extLst>
-      <p:ext uri="{BB962C8B-B14F-4D97-AF65-F5344CB8AC3E}">
-        <p14:creationId xmlns:p14="http://schemas.microsoft.com/office/powerpoint/2010/main" val="797491642"/>
-      </p:ext>
-    </p:extLst>
-  </p:cSld>
-  <p:clrMapOvr>
-    <a:masterClrMapping/>
-  </p:clrMapOvr>
-  <p:timing>
-    <p:tnLst>
-      <p:par>
-        <p:cTn id="1" dur="indefinite" restart="never" nodeType="tmRoot"/>
-      </p:par>
-    </p:tnLst>
-  </p:timing>
-</p:sld>
-</file>
-
-<file path=ppt/slides/slide6.xml><?xml version="1.0" encoding="utf-8"?>
-<p:sld xmlns:a="http://schemas.openxmlformats.org/drawingml/2006/main" xmlns:r="http://schemas.openxmlformats.org/officeDocument/2006/relationships" xmlns:p="http://schemas.openxmlformats.org/presentationml/2006/main">
-  <p:cSld>
-    <p:spTree>
-      <p:nvGrpSpPr>
-        <p:cNvPr id="1" name=""/>
-        <p:cNvGrpSpPr/>
-        <p:nvPr/>
-      </p:nvGrpSpPr>
-      <p:grpSpPr>
-        <a:xfrm>
-          <a:off x="0" y="0"/>
-          <a:ext cx="0" cy="0"/>
-          <a:chOff x="0" y="0"/>
-          <a:chExt cx="0" cy="0"/>
-        </a:xfrm>
-      </p:grpSpPr>
-      <p:sp>
-        <p:nvSpPr>
-          <p:cNvPr id="2" name="Title 1"/>
-          <p:cNvSpPr>
-            <a:spLocks noGrp="1"/>
-          </p:cNvSpPr>
-          <p:nvPr>
-            <p:ph type="title"/>
-          </p:nvPr>
-        </p:nvSpPr>
-        <p:spPr/>
-        <p:txBody>
-          <a:bodyPr/>
-          <a:lstStyle/>
-          <a:p>
-            <a:endParaRPr lang="en-IN" dirty="0"/>
-          </a:p>
-        </p:txBody>
-      </p:sp>
-      <p:sp>
-        <p:nvSpPr>
-          <p:cNvPr id="3" name="Content Placeholder 2"/>
-          <p:cNvSpPr>
-            <a:spLocks noGrp="1"/>
-          </p:cNvSpPr>
-          <p:nvPr>
-            <p:ph idx="1"/>
-          </p:nvPr>
-        </p:nvSpPr>
-        <p:spPr/>
-        <p:txBody>
-          <a:bodyPr/>
-          <a:lstStyle/>
-          <a:p>
-            <a:r>
-              <a:rPr lang="en-GB" dirty="0"/>
-              <a:t>An Architectural Style is the application design at the highest level of abstraction;</a:t>
-            </a:r>
-          </a:p>
-          <a:p>
-            <a:r>
-              <a:rPr lang="en-GB" dirty="0"/>
-              <a:t>An Architectural Pattern is a way to implement </a:t>
-            </a:r>
-            <a:r>
-              <a:rPr lang="en-GB" dirty="0" smtClean="0"/>
-              <a:t>an Architectural Style;</a:t>
-            </a:r>
-            <a:endParaRPr lang="en-GB" dirty="0"/>
-          </a:p>
-          <a:p>
-            <a:r>
-              <a:rPr lang="en-GB" dirty="0"/>
-              <a:t>A Design Pattern is a way to solve a localised problem.</a:t>
-            </a:r>
-          </a:p>
-          <a:p>
-            <a:endParaRPr lang="en-IN" dirty="0"/>
-          </a:p>
-        </p:txBody>
-      </p:sp>
-    </p:spTree>
-    <p:extLst>
-      <p:ext uri="{BB962C8B-B14F-4D97-AF65-F5344CB8AC3E}">
-        <p14:creationId xmlns:p14="http://schemas.microsoft.com/office/powerpoint/2010/main" val="478777155"/>
-      </p:ext>
-    </p:extLst>
-  </p:cSld>
-  <p:clrMapOvr>
-    <a:masterClrMapping/>
-  </p:clrMapOvr>
-</p:sld>
-</file>
-
 <file path=ppt/slides/slide7.xml><?xml version="1.0" encoding="utf-8"?>
 <p:sld xmlns:a="http://schemas.openxmlformats.org/drawingml/2006/main" xmlns:r="http://schemas.openxmlformats.org/officeDocument/2006/relationships" xmlns:p="http://schemas.openxmlformats.org/presentationml/2006/main">
   <p:cSld>
@@ -5693,7 +5664,7 @@
           <a:bodyPr/>
           <a:lstStyle/>
           <a:p>
-            <a:endParaRPr lang="en-IN"/>
+            <a:endParaRPr lang="en-IN" dirty="0"/>
           </a:p>
         </p:txBody>
       </p:sp>
@@ -5712,55 +5683,163 @@
           <a:bodyPr/>
           <a:lstStyle/>
           <a:p>
-            <a:endParaRPr lang="en-IN"/>
+            <a:endParaRPr lang="en-IN" dirty="0"/>
           </a:p>
         </p:txBody>
       </p:sp>
       <p:pic>
         <p:nvPicPr>
-          <p:cNvPr id="4" name="Picture 3"/>
+          <p:cNvPr id="1026" name="Picture 2" descr="Image 3"/>
           <p:cNvPicPr>
-            <a:picLocks noChangeAspect="1"/>
+            <a:picLocks noChangeAspect="1" noChangeArrowheads="1"/>
           </p:cNvPicPr>
           <p:nvPr/>
         </p:nvPicPr>
         <p:blipFill>
-          <a:blip r:embed="rId2"/>
+          <a:blip r:embed="rId2">
+            <a:extLst>
+              <a:ext uri="{28A0092B-C50C-407E-A947-70E740481C1C}">
+                <a14:useLocalDpi xmlns:a14="http://schemas.microsoft.com/office/drawing/2010/main" val="0"/>
+              </a:ext>
+            </a:extLst>
+          </a:blip>
+          <a:srcRect/>
           <a:stretch>
             <a:fillRect/>
           </a:stretch>
         </p:blipFill>
-        <p:spPr>
+        <p:spPr bwMode="auto">
           <a:xfrm>
-            <a:off x="2489154" y="2093976"/>
-            <a:ext cx="7553325" cy="3752850"/>
+            <a:off x="3434353" y="2903791"/>
+            <a:ext cx="5105400" cy="2486026"/>
           </a:xfrm>
           <a:prstGeom prst="rect">
             <a:avLst/>
           </a:prstGeom>
+          <a:noFill/>
+          <a:extLst>
+            <a:ext uri="{909E8E84-426E-40DD-AFC4-6F175D3DCCD1}">
+              <a14:hiddenFill xmlns:a14="http://schemas.microsoft.com/office/drawing/2010/main">
+                <a:solidFill>
+                  <a:srgbClr val="FFFFFF"/>
+                </a:solidFill>
+              </a14:hiddenFill>
+            </a:ext>
+          </a:extLst>
         </p:spPr>
       </p:pic>
     </p:spTree>
     <p:extLst>
       <p:ext uri="{BB962C8B-B14F-4D97-AF65-F5344CB8AC3E}">
-        <p14:creationId xmlns:p14="http://schemas.microsoft.com/office/powerpoint/2010/main" val="774799688"/>
+        <p14:creationId xmlns:p14="http://schemas.microsoft.com/office/powerpoint/2010/main" val="3931493728"/>
       </p:ext>
     </p:extLst>
   </p:cSld>
   <p:clrMapOvr>
     <a:masterClrMapping/>
   </p:clrMapOvr>
-  <p:timing>
-    <p:tnLst>
-      <p:par>
-        <p:cTn id="1" dur="indefinite" restart="never" nodeType="tmRoot"/>
-      </p:par>
-    </p:tnLst>
-  </p:timing>
 </p:sld>
 </file>
 
 <file path=ppt/slides/slide8.xml><?xml version="1.0" encoding="utf-8"?>
+<p:sld xmlns:a="http://schemas.openxmlformats.org/drawingml/2006/main" xmlns:r="http://schemas.openxmlformats.org/officeDocument/2006/relationships" xmlns:p="http://schemas.openxmlformats.org/presentationml/2006/main">
+  <p:cSld>
+    <p:spTree>
+      <p:nvGrpSpPr>
+        <p:cNvPr id="1" name=""/>
+        <p:cNvGrpSpPr/>
+        <p:nvPr/>
+      </p:nvGrpSpPr>
+      <p:grpSpPr>
+        <a:xfrm>
+          <a:off x="0" y="0"/>
+          <a:ext cx="0" cy="0"/>
+          <a:chOff x="0" y="0"/>
+          <a:chExt cx="0" cy="0"/>
+        </a:xfrm>
+      </p:grpSpPr>
+      <p:sp>
+        <p:nvSpPr>
+          <p:cNvPr id="2" name="Title 1"/>
+          <p:cNvSpPr>
+            <a:spLocks noGrp="1"/>
+          </p:cNvSpPr>
+          <p:nvPr>
+            <p:ph type="title"/>
+          </p:nvPr>
+        </p:nvSpPr>
+        <p:spPr/>
+        <p:txBody>
+          <a:bodyPr>
+            <a:normAutofit/>
+          </a:bodyPr>
+          <a:lstStyle/>
+          <a:p>
+            <a:endParaRPr lang="en-IN" dirty="0"/>
+          </a:p>
+        </p:txBody>
+      </p:sp>
+      <p:sp>
+        <p:nvSpPr>
+          <p:cNvPr id="3" name="Content Placeholder 2"/>
+          <p:cNvSpPr>
+            <a:spLocks noGrp="1"/>
+          </p:cNvSpPr>
+          <p:nvPr>
+            <p:ph idx="1"/>
+          </p:nvPr>
+        </p:nvSpPr>
+        <p:spPr>
+          <a:xfrm>
+            <a:off x="1069848" y="3265714"/>
+            <a:ext cx="10058400" cy="2906486"/>
+          </a:xfrm>
+        </p:spPr>
+        <p:txBody>
+          <a:bodyPr/>
+          <a:lstStyle/>
+          <a:p>
+            <a:r>
+              <a:rPr lang="en-GB" dirty="0"/>
+              <a:t>An Architectural Style is the application design at the highest level of abstraction;</a:t>
+            </a:r>
+          </a:p>
+          <a:p>
+            <a:r>
+              <a:rPr lang="en-GB" dirty="0"/>
+              <a:t>An Architectural Pattern is a way to implement </a:t>
+            </a:r>
+            <a:r>
+              <a:rPr lang="en-GB" dirty="0" smtClean="0"/>
+              <a:t>an Architectural Style;</a:t>
+            </a:r>
+            <a:endParaRPr lang="en-GB" dirty="0"/>
+          </a:p>
+          <a:p>
+            <a:r>
+              <a:rPr lang="en-GB" dirty="0"/>
+              <a:t>A Design Pattern is a way to solve a localised problem.</a:t>
+            </a:r>
+          </a:p>
+          <a:p>
+            <a:endParaRPr lang="en-IN" dirty="0"/>
+          </a:p>
+        </p:txBody>
+      </p:sp>
+    </p:spTree>
+    <p:extLst>
+      <p:ext uri="{BB962C8B-B14F-4D97-AF65-F5344CB8AC3E}">
+        <p14:creationId xmlns:p14="http://schemas.microsoft.com/office/powerpoint/2010/main" val="478777155"/>
+      </p:ext>
+    </p:extLst>
+  </p:cSld>
+  <p:clrMapOvr>
+    <a:masterClrMapping/>
+  </p:clrMapOvr>
+</p:sld>
+</file>
+
+<file path=ppt/slides/slide9.xml><?xml version="1.0" encoding="utf-8"?>
 <p:sld xmlns:a="http://schemas.openxmlformats.org/drawingml/2006/main" xmlns:r="http://schemas.openxmlformats.org/officeDocument/2006/relationships" xmlns:p="http://schemas.openxmlformats.org/presentationml/2006/main">
   <p:cSld>
     <p:spTree>
@@ -5867,88 +5946,6 @@
       </p:par>
     </p:tnLst>
   </p:timing>
-</p:sld>
-</file>
-
-<file path=ppt/slides/slide9.xml><?xml version="1.0" encoding="utf-8"?>
-<p:sld xmlns:a="http://schemas.openxmlformats.org/drawingml/2006/main" xmlns:r="http://schemas.openxmlformats.org/officeDocument/2006/relationships" xmlns:p="http://schemas.openxmlformats.org/presentationml/2006/main">
-  <p:cSld>
-    <p:spTree>
-      <p:nvGrpSpPr>
-        <p:cNvPr id="1" name=""/>
-        <p:cNvGrpSpPr/>
-        <p:nvPr/>
-      </p:nvGrpSpPr>
-      <p:grpSpPr>
-        <a:xfrm>
-          <a:off x="0" y="0"/>
-          <a:ext cx="0" cy="0"/>
-          <a:chOff x="0" y="0"/>
-          <a:chExt cx="0" cy="0"/>
-        </a:xfrm>
-      </p:grpSpPr>
-      <p:sp>
-        <p:nvSpPr>
-          <p:cNvPr id="2" name="Title 1"/>
-          <p:cNvSpPr>
-            <a:spLocks noGrp="1"/>
-          </p:cNvSpPr>
-          <p:nvPr>
-            <p:ph type="title"/>
-          </p:nvPr>
-        </p:nvSpPr>
-        <p:spPr/>
-        <p:txBody>
-          <a:bodyPr/>
-          <a:lstStyle/>
-          <a:p>
-            <a:r>
-              <a:rPr lang="en-US" dirty="0" smtClean="0"/>
-              <a:t>Onion architecture</a:t>
-            </a:r>
-            <a:endParaRPr lang="en-IN" dirty="0"/>
-          </a:p>
-        </p:txBody>
-      </p:sp>
-      <p:pic>
-        <p:nvPicPr>
-          <p:cNvPr id="4" name="Content Placeholder 3"/>
-          <p:cNvPicPr>
-            <a:picLocks noGrp="1" noChangeAspect="1"/>
-          </p:cNvPicPr>
-          <p:nvPr>
-            <p:ph idx="1"/>
-          </p:nvPr>
-        </p:nvPicPr>
-        <p:blipFill>
-          <a:blip r:embed="rId2">
-            <a:extLst>
-              <a:ext uri="{28A0092B-C50C-407E-A947-70E740481C1C}">
-                <a14:useLocalDpi xmlns:a14="http://schemas.microsoft.com/office/drawing/2010/main" val="0"/>
-              </a:ext>
-            </a:extLst>
-          </a:blip>
-          <a:stretch>
-            <a:fillRect/>
-          </a:stretch>
-        </p:blipFill>
-        <p:spPr>
-          <a:xfrm>
-            <a:off x="3326022" y="2225402"/>
-            <a:ext cx="4553527" cy="4051300"/>
-          </a:xfrm>
-        </p:spPr>
-      </p:pic>
-    </p:spTree>
-    <p:extLst>
-      <p:ext uri="{BB962C8B-B14F-4D97-AF65-F5344CB8AC3E}">
-        <p14:creationId xmlns:p14="http://schemas.microsoft.com/office/powerpoint/2010/main" val="1461500601"/>
-      </p:ext>
-    </p:extLst>
-  </p:cSld>
-  <p:clrMapOvr>
-    <a:masterClrMapping/>
-  </p:clrMapOvr>
 </p:sld>
 </file>
 

--- a/PPT/Onion Architecture.pptx
+++ b/PPT/Onion Architecture.pptx
@@ -5502,6 +5502,13 @@
   <p:clrMapOvr>
     <a:masterClrMapping/>
   </p:clrMapOvr>
+  <p:timing>
+    <p:tnLst>
+      <p:par>
+        <p:cTn id="1" dur="indefinite" restart="never" nodeType="tmRoot"/>
+      </p:par>
+    </p:tnLst>
+  </p:timing>
 </p:sld>
 </file>
 
@@ -5710,8 +5717,8 @@
         </p:blipFill>
         <p:spPr bwMode="auto">
           <a:xfrm>
-            <a:off x="3434353" y="2903791"/>
-            <a:ext cx="5105400" cy="2486026"/>
+            <a:off x="2075815" y="1675881"/>
+            <a:ext cx="7503514" cy="3653765"/>
           </a:xfrm>
           <a:prstGeom prst="rect">
             <a:avLst/>
@@ -5738,6 +5745,13 @@
   <p:clrMapOvr>
     <a:masterClrMapping/>
   </p:clrMapOvr>
+  <p:timing>
+    <p:tnLst>
+      <p:par>
+        <p:cTn id="1" dur="indefinite" restart="never" nodeType="tmRoot"/>
+      </p:par>
+    </p:tnLst>
+  </p:timing>
 </p:sld>
 </file>
 
@@ -5836,6 +5850,13 @@
   <p:clrMapOvr>
     <a:masterClrMapping/>
   </p:clrMapOvr>
+  <p:timing>
+    <p:tnLst>
+      <p:par>
+        <p:cTn id="1" dur="indefinite" restart="never" nodeType="tmRoot"/>
+      </p:par>
+    </p:tnLst>
+  </p:timing>
 </p:sld>
 </file>
 

--- a/PPT/Onion Architecture.pptx
+++ b/PPT/Onion Architecture.pptx
@@ -5360,7 +5360,7 @@
           <a:p>
             <a:r>
               <a:rPr lang="en-US" dirty="0" smtClean="0"/>
-              <a:t>Project demo</a:t>
+              <a:t>Do sample project </a:t>
             </a:r>
           </a:p>
           <a:p>
